--- a/class_6_2/class_6_2.pptx
+++ b/class_6_2/class_6_2.pptx
@@ -5,10 +5,19 @@
     <p:sldMasterId id="2147483648" r:id="rId1"/>
   </p:sldMasterIdLst>
   <p:notesMasterIdLst>
-    <p:notesMasterId r:id="rId3"/>
+    <p:notesMasterId r:id="rId12"/>
   </p:notesMasterIdLst>
   <p:sldIdLst>
     <p:sldId id="256" r:id="rId2"/>
+    <p:sldId id="257" r:id="rId3"/>
+    <p:sldId id="258" r:id="rId4"/>
+    <p:sldId id="261" r:id="rId5"/>
+    <p:sldId id="259" r:id="rId6"/>
+    <p:sldId id="260" r:id="rId7"/>
+    <p:sldId id="262" r:id="rId8"/>
+    <p:sldId id="263" r:id="rId9"/>
+    <p:sldId id="264" r:id="rId10"/>
+    <p:sldId id="265" r:id="rId11"/>
   </p:sldIdLst>
   <p:sldSz cx="12192000" cy="6858000"/>
   <p:notesSz cx="6858000" cy="9144000"/>
@@ -197,7 +206,7 @@
           <a:p>
             <a:fld id="{8E5940E0-E864-DF4A-BD26-2C2246AC4E05}" type="datetimeFigureOut">
               <a:rPr lang="en-US" smtClean="0"/>
-              <a:t>6/3/20</a:t>
+              <a:t>7/8/2020</a:t>
             </a:fld>
             <a:endParaRPr lang="en-US"/>
           </a:p>
@@ -695,7 +704,7 @@
           <a:p>
             <a:fld id="{B4805629-43F6-3C4F-A3A1-18FEAB524198}" type="datetimeFigureOut">
               <a:rPr lang="en-US" smtClean="0"/>
-              <a:t>6/3/20</a:t>
+              <a:t>7/8/2020</a:t>
             </a:fld>
             <a:endParaRPr lang="en-US"/>
           </a:p>
@@ -893,7 +902,7 @@
           <a:p>
             <a:fld id="{B4805629-43F6-3C4F-A3A1-18FEAB524198}" type="datetimeFigureOut">
               <a:rPr lang="en-US" smtClean="0"/>
-              <a:t>6/3/20</a:t>
+              <a:t>7/8/2020</a:t>
             </a:fld>
             <a:endParaRPr lang="en-US"/>
           </a:p>
@@ -1101,7 +1110,7 @@
           <a:p>
             <a:fld id="{B4805629-43F6-3C4F-A3A1-18FEAB524198}" type="datetimeFigureOut">
               <a:rPr lang="en-US" smtClean="0"/>
-              <a:t>6/3/20</a:t>
+              <a:t>7/8/2020</a:t>
             </a:fld>
             <a:endParaRPr lang="en-US"/>
           </a:p>
@@ -1299,7 +1308,7 @@
           <a:p>
             <a:fld id="{B4805629-43F6-3C4F-A3A1-18FEAB524198}" type="datetimeFigureOut">
               <a:rPr lang="en-US" smtClean="0"/>
-              <a:t>6/3/20</a:t>
+              <a:t>7/8/2020</a:t>
             </a:fld>
             <a:endParaRPr lang="en-US"/>
           </a:p>
@@ -1574,7 +1583,7 @@
           <a:p>
             <a:fld id="{B4805629-43F6-3C4F-A3A1-18FEAB524198}" type="datetimeFigureOut">
               <a:rPr lang="en-US" smtClean="0"/>
-              <a:t>6/3/20</a:t>
+              <a:t>7/8/2020</a:t>
             </a:fld>
             <a:endParaRPr lang="en-US"/>
           </a:p>
@@ -1839,7 +1848,7 @@
           <a:p>
             <a:fld id="{B4805629-43F6-3C4F-A3A1-18FEAB524198}" type="datetimeFigureOut">
               <a:rPr lang="en-US" smtClean="0"/>
-              <a:t>6/3/20</a:t>
+              <a:t>7/8/2020</a:t>
             </a:fld>
             <a:endParaRPr lang="en-US"/>
           </a:p>
@@ -2251,7 +2260,7 @@
           <a:p>
             <a:fld id="{B4805629-43F6-3C4F-A3A1-18FEAB524198}" type="datetimeFigureOut">
               <a:rPr lang="en-US" smtClean="0"/>
-              <a:t>6/3/20</a:t>
+              <a:t>7/8/2020</a:t>
             </a:fld>
             <a:endParaRPr lang="en-US"/>
           </a:p>
@@ -2392,7 +2401,7 @@
           <a:p>
             <a:fld id="{B4805629-43F6-3C4F-A3A1-18FEAB524198}" type="datetimeFigureOut">
               <a:rPr lang="en-US" smtClean="0"/>
-              <a:t>6/3/20</a:t>
+              <a:t>7/8/2020</a:t>
             </a:fld>
             <a:endParaRPr lang="en-US"/>
           </a:p>
@@ -2505,7 +2514,7 @@
           <a:p>
             <a:fld id="{B4805629-43F6-3C4F-A3A1-18FEAB524198}" type="datetimeFigureOut">
               <a:rPr lang="en-US" smtClean="0"/>
-              <a:t>6/3/20</a:t>
+              <a:t>7/8/2020</a:t>
             </a:fld>
             <a:endParaRPr lang="en-US"/>
           </a:p>
@@ -2816,7 +2825,7 @@
           <a:p>
             <a:fld id="{B4805629-43F6-3C4F-A3A1-18FEAB524198}" type="datetimeFigureOut">
               <a:rPr lang="en-US" smtClean="0"/>
-              <a:t>6/3/20</a:t>
+              <a:t>7/8/2020</a:t>
             </a:fld>
             <a:endParaRPr lang="en-US"/>
           </a:p>
@@ -3104,7 +3113,7 @@
           <a:p>
             <a:fld id="{B4805629-43F6-3C4F-A3A1-18FEAB524198}" type="datetimeFigureOut">
               <a:rPr lang="en-US" smtClean="0"/>
-              <a:t>6/3/20</a:t>
+              <a:t>7/8/2020</a:t>
             </a:fld>
             <a:endParaRPr lang="en-US"/>
           </a:p>
@@ -3345,7 +3354,7 @@
           <a:p>
             <a:fld id="{B4805629-43F6-3C4F-A3A1-18FEAB524198}" type="datetimeFigureOut">
               <a:rPr lang="en-US" smtClean="0"/>
-              <a:t>6/3/20</a:t>
+              <a:t>7/8/2020</a:t>
             </a:fld>
             <a:endParaRPr lang="en-US"/>
           </a:p>
@@ -3809,41 +3818,25 @@
         <p:spPr/>
         <p:txBody>
           <a:bodyPr>
-            <a:normAutofit fontScale="77500" lnSpcReduction="20000"/>
+            <a:normAutofit/>
           </a:bodyPr>
           <a:lstStyle/>
           <a:p>
             <a:r>
               <a:rPr lang="en-US" dirty="0"/>
-              <a:t>Histograms</a:t>
+              <a:t>Volcano Plots</a:t>
+            </a:r>
+          </a:p>
+          <a:p>
+            <a:r>
+              <a:rPr lang="en-US" dirty="0"/>
+              <a:t>Kaplan Meier Curves</a:t>
             </a:r>
           </a:p>
           <a:p>
             <a:r>
               <a:rPr lang="en-US" dirty="0"/>
               <a:t>Density Curves</a:t>
-            </a:r>
-          </a:p>
-          <a:p>
-            <a:r>
-              <a:rPr lang="en-US" dirty="0"/>
-              <a:t>KS tests</a:t>
-            </a:r>
-          </a:p>
-          <a:p>
-            <a:r>
-              <a:rPr lang="en-US"/>
-              <a:t>Kaplan Meier </a:t>
-            </a:r>
-            <a:r>
-              <a:rPr lang="en-US" dirty="0"/>
-              <a:t>Curves</a:t>
-            </a:r>
-          </a:p>
-          <a:p>
-            <a:r>
-              <a:rPr lang="en-US" dirty="0"/>
-              <a:t>Continued education and troubleshooting in programming</a:t>
             </a:r>
           </a:p>
         </p:txBody>
@@ -3852,6 +3845,4226 @@
     <p:extLst>
       <p:ext uri="{BB962C8B-B14F-4D97-AF65-F5344CB8AC3E}">
         <p14:creationId xmlns:p14="http://schemas.microsoft.com/office/powerpoint/2010/main" val="1185113121"/>
+      </p:ext>
+    </p:extLst>
+  </p:cSld>
+  <p:clrMapOvr>
+    <a:masterClrMapping/>
+  </p:clrMapOvr>
+</p:sld>
+</file>
+
+<file path=ppt/slides/slide10.xml><?xml version="1.0" encoding="utf-8"?>
+<p:sld xmlns:a="http://schemas.openxmlformats.org/drawingml/2006/main" xmlns:r="http://schemas.openxmlformats.org/officeDocument/2006/relationships" xmlns:p="http://schemas.openxmlformats.org/presentationml/2006/main">
+  <p:cSld>
+    <p:spTree>
+      <p:nvGrpSpPr>
+        <p:cNvPr id="1" name=""/>
+        <p:cNvGrpSpPr/>
+        <p:nvPr/>
+      </p:nvGrpSpPr>
+      <p:grpSpPr>
+        <a:xfrm>
+          <a:off x="0" y="0"/>
+          <a:ext cx="0" cy="0"/>
+          <a:chOff x="0" y="0"/>
+          <a:chExt cx="0" cy="0"/>
+        </a:xfrm>
+      </p:grpSpPr>
+      <p:sp>
+        <p:nvSpPr>
+          <p:cNvPr id="2" name="Title 1">
+            <a:extLst>
+              <a:ext uri="{FF2B5EF4-FFF2-40B4-BE49-F238E27FC236}">
+                <a16:creationId xmlns:a16="http://schemas.microsoft.com/office/drawing/2014/main" id="{D25F2BB6-784E-4630-AD14-CF8143E14060}"/>
+              </a:ext>
+            </a:extLst>
+          </p:cNvPr>
+          <p:cNvSpPr>
+            <a:spLocks noGrp="1"/>
+          </p:cNvSpPr>
+          <p:nvPr>
+            <p:ph type="title"/>
+          </p:nvPr>
+        </p:nvSpPr>
+        <p:spPr/>
+        <p:txBody>
+          <a:bodyPr/>
+          <a:lstStyle/>
+          <a:p>
+            <a:r>
+              <a:rPr lang="en-US" dirty="0"/>
+              <a:t>Overlapping plots</a:t>
+            </a:r>
+          </a:p>
+        </p:txBody>
+      </p:sp>
+      <p:sp>
+        <p:nvSpPr>
+          <p:cNvPr id="4" name="Rectangle 1">
+            <a:extLst>
+              <a:ext uri="{FF2B5EF4-FFF2-40B4-BE49-F238E27FC236}">
+                <a16:creationId xmlns:a16="http://schemas.microsoft.com/office/drawing/2014/main" id="{A7EB55DB-E8BA-484D-9318-C738716486AE}"/>
+              </a:ext>
+            </a:extLst>
+          </p:cNvPr>
+          <p:cNvSpPr>
+            <a:spLocks noGrp="1" noChangeArrowheads="1"/>
+          </p:cNvSpPr>
+          <p:nvPr>
+            <p:ph idx="1"/>
+          </p:nvPr>
+        </p:nvSpPr>
+        <p:spPr bwMode="auto">
+          <a:xfrm>
+            <a:off x="838200" y="2088001"/>
+            <a:ext cx="2481449" cy="553998"/>
+          </a:xfrm>
+          <a:prstGeom prst="rect">
+            <a:avLst/>
+          </a:prstGeom>
+          <a:solidFill>
+            <a:srgbClr val="FFFFFF"/>
+          </a:solidFill>
+          <a:ln>
+            <a:noFill/>
+          </a:ln>
+          <a:effectLst/>
+          <a:extLst>
+            <a:ext uri="{91240B29-F687-4F45-9708-019B960494DF}">
+              <a14:hiddenLine xmlns:a14="http://schemas.microsoft.com/office/drawing/2010/main" w="9525">
+                <a:solidFill>
+                  <a:schemeClr val="tx1"/>
+                </a:solidFill>
+                <a:miter lim="800000"/>
+                <a:headEnd/>
+                <a:tailEnd/>
+              </a14:hiddenLine>
+            </a:ext>
+            <a:ext uri="{AF507438-7753-43E0-B8FC-AC1667EBCBE1}">
+              <a14:hiddenEffects xmlns:a14="http://schemas.microsoft.com/office/drawing/2010/main">
+                <a:effectLst>
+                  <a:outerShdw dist="35921" dir="2700000" algn="ctr" rotWithShape="0">
+                    <a:schemeClr val="bg2"/>
+                  </a:outerShdw>
+                </a:effectLst>
+              </a14:hiddenEffects>
+            </a:ext>
+          </a:extLst>
+        </p:spPr>
+        <p:txBody>
+          <a:bodyPr vert="horz" wrap="none" lIns="0" tIns="0" rIns="0" bIns="0" numCol="1" anchor="ctr" anchorCtr="0" compatLnSpc="1">
+            <a:prstTxWarp prst="textNoShape">
+              <a:avLst/>
+            </a:prstTxWarp>
+            <a:spAutoFit/>
+          </a:bodyPr>
+          <a:lstStyle/>
+          <a:p>
+            <a:pPr marL="0" marR="0" lvl="0" indent="0" algn="l" defTabSz="914400" rtl="0" eaLnBrk="0" fontAlgn="base" latinLnBrk="0" hangingPunct="0">
+              <a:lnSpc>
+                <a:spcPct val="100000"/>
+              </a:lnSpc>
+              <a:spcBef>
+                <a:spcPct val="0"/>
+              </a:spcBef>
+              <a:spcAft>
+                <a:spcPct val="0"/>
+              </a:spcAft>
+              <a:buClrTx/>
+              <a:buSzTx/>
+              <a:buFontTx/>
+              <a:buNone/>
+              <a:tabLst/>
+            </a:pPr>
+            <a:r>
+              <a:rPr kumimoji="0" lang="en-US" altLang="en-US" sz="900" b="0" i="0" u="none" strike="noStrike" cap="none" normalizeH="0" baseline="0" dirty="0">
+                <a:ln>
+                  <a:noFill/>
+                </a:ln>
+                <a:solidFill>
+                  <a:srgbClr val="0000FF"/>
+                </a:solidFill>
+                <a:effectLst/>
+                <a:latin typeface="Lucida Console" panose="020B0609040504020204" pitchFamily="49" charset="0"/>
+              </a:rPr>
+              <a:t>&gt; d1 &lt;- density(</a:t>
+            </a:r>
+            <a:r>
+              <a:rPr kumimoji="0" lang="en-US" altLang="en-US" sz="900" b="0" i="0" u="none" strike="noStrike" cap="none" normalizeH="0" baseline="0" dirty="0" err="1">
+                <a:ln>
+                  <a:noFill/>
+                </a:ln>
+                <a:solidFill>
+                  <a:srgbClr val="0000FF"/>
+                </a:solidFill>
+                <a:effectLst/>
+                <a:latin typeface="Lucida Console" panose="020B0609040504020204" pitchFamily="49" charset="0"/>
+              </a:rPr>
+              <a:t>OV.survInfo$times</a:t>
+            </a:r>
+            <a:r>
+              <a:rPr kumimoji="0" lang="en-US" altLang="en-US" sz="900" b="0" i="0" u="none" strike="noStrike" cap="none" normalizeH="0" baseline="0" dirty="0">
+                <a:ln>
+                  <a:noFill/>
+                </a:ln>
+                <a:solidFill>
+                  <a:srgbClr val="0000FF"/>
+                </a:solidFill>
+                <a:effectLst/>
+                <a:latin typeface="Lucida Console" panose="020B0609040504020204" pitchFamily="49" charset="0"/>
+              </a:rPr>
+              <a:t>) </a:t>
+            </a:r>
+          </a:p>
+          <a:p>
+            <a:pPr marL="0" marR="0" lvl="0" indent="0" algn="l" defTabSz="914400" rtl="0" eaLnBrk="0" fontAlgn="base" latinLnBrk="0" hangingPunct="0">
+              <a:lnSpc>
+                <a:spcPct val="100000"/>
+              </a:lnSpc>
+              <a:spcBef>
+                <a:spcPct val="0"/>
+              </a:spcBef>
+              <a:spcAft>
+                <a:spcPct val="0"/>
+              </a:spcAft>
+              <a:buClrTx/>
+              <a:buSzTx/>
+              <a:buFontTx/>
+              <a:buNone/>
+              <a:tabLst/>
+            </a:pPr>
+            <a:r>
+              <a:rPr kumimoji="0" lang="en-US" altLang="en-US" sz="900" b="0" i="0" u="none" strike="noStrike" cap="none" normalizeH="0" baseline="0" dirty="0">
+                <a:ln>
+                  <a:noFill/>
+                </a:ln>
+                <a:solidFill>
+                  <a:srgbClr val="0000FF"/>
+                </a:solidFill>
+                <a:effectLst/>
+                <a:latin typeface="Lucida Console" panose="020B0609040504020204" pitchFamily="49" charset="0"/>
+              </a:rPr>
+              <a:t>&gt; d2 &lt;- density(</a:t>
+            </a:r>
+            <a:r>
+              <a:rPr kumimoji="0" lang="en-US" altLang="en-US" sz="900" b="0" i="0" u="none" strike="noStrike" cap="none" normalizeH="0" baseline="0" dirty="0" err="1">
+                <a:ln>
+                  <a:noFill/>
+                </a:ln>
+                <a:solidFill>
+                  <a:srgbClr val="0000FF"/>
+                </a:solidFill>
+                <a:effectLst/>
+                <a:latin typeface="Lucida Console" panose="020B0609040504020204" pitchFamily="49" charset="0"/>
+              </a:rPr>
+              <a:t>BRCA.survInfo$times</a:t>
+            </a:r>
+            <a:r>
+              <a:rPr kumimoji="0" lang="en-US" altLang="en-US" sz="900" b="0" i="0" u="none" strike="noStrike" cap="none" normalizeH="0" baseline="0" dirty="0">
+                <a:ln>
+                  <a:noFill/>
+                </a:ln>
+                <a:solidFill>
+                  <a:srgbClr val="0000FF"/>
+                </a:solidFill>
+                <a:effectLst/>
+                <a:latin typeface="Lucida Console" panose="020B0609040504020204" pitchFamily="49" charset="0"/>
+              </a:rPr>
+              <a:t>)</a:t>
+            </a:r>
+          </a:p>
+          <a:p>
+            <a:pPr marL="0" marR="0" lvl="0" indent="0" algn="l" defTabSz="914400" rtl="0" eaLnBrk="0" fontAlgn="base" latinLnBrk="0" hangingPunct="0">
+              <a:lnSpc>
+                <a:spcPct val="100000"/>
+              </a:lnSpc>
+              <a:spcBef>
+                <a:spcPct val="0"/>
+              </a:spcBef>
+              <a:spcAft>
+                <a:spcPct val="0"/>
+              </a:spcAft>
+              <a:buClrTx/>
+              <a:buSzTx/>
+              <a:buFontTx/>
+              <a:buNone/>
+              <a:tabLst/>
+            </a:pPr>
+            <a:endParaRPr kumimoji="0" lang="en-US" altLang="en-US" sz="1800" b="0" i="0" u="none" strike="noStrike" cap="none" normalizeH="0" baseline="0" dirty="0">
+              <a:ln>
+                <a:noFill/>
+              </a:ln>
+              <a:solidFill>
+                <a:schemeClr val="tx1"/>
+              </a:solidFill>
+              <a:effectLst/>
+              <a:latin typeface="Arial" panose="020B0604020202020204" pitchFamily="34" charset="0"/>
+            </a:endParaRPr>
+          </a:p>
+        </p:txBody>
+      </p:sp>
+      <p:sp>
+        <p:nvSpPr>
+          <p:cNvPr id="6" name="Rectangle 3">
+            <a:extLst>
+              <a:ext uri="{FF2B5EF4-FFF2-40B4-BE49-F238E27FC236}">
+                <a16:creationId xmlns:a16="http://schemas.microsoft.com/office/drawing/2014/main" id="{AE387F18-D5D7-42C3-809C-3DE1A3D8A08C}"/>
+              </a:ext>
+            </a:extLst>
+          </p:cNvPr>
+          <p:cNvSpPr>
+            <a:spLocks noChangeArrowheads="1"/>
+          </p:cNvSpPr>
+          <p:nvPr/>
+        </p:nvSpPr>
+        <p:spPr bwMode="auto">
+          <a:xfrm>
+            <a:off x="838200" y="2641999"/>
+            <a:ext cx="1723229" cy="969496"/>
+          </a:xfrm>
+          <a:prstGeom prst="rect">
+            <a:avLst/>
+          </a:prstGeom>
+          <a:solidFill>
+            <a:srgbClr val="FFFFFF"/>
+          </a:solidFill>
+          <a:ln>
+            <a:noFill/>
+          </a:ln>
+          <a:effectLst/>
+          <a:extLst>
+            <a:ext uri="{91240B29-F687-4F45-9708-019B960494DF}">
+              <a14:hiddenLine xmlns:a14="http://schemas.microsoft.com/office/drawing/2010/main" w="9525">
+                <a:solidFill>
+                  <a:schemeClr val="tx1"/>
+                </a:solidFill>
+                <a:miter lim="800000"/>
+                <a:headEnd/>
+                <a:tailEnd/>
+              </a14:hiddenLine>
+            </a:ext>
+            <a:ext uri="{AF507438-7753-43E0-B8FC-AC1667EBCBE1}">
+              <a14:hiddenEffects xmlns:a14="http://schemas.microsoft.com/office/drawing/2010/main">
+                <a:effectLst>
+                  <a:outerShdw dist="35921" dir="2700000" algn="ctr" rotWithShape="0">
+                    <a:schemeClr val="bg2"/>
+                  </a:outerShdw>
+                </a:effectLst>
+              </a14:hiddenEffects>
+            </a:ext>
+          </a:extLst>
+        </p:spPr>
+        <p:txBody>
+          <a:bodyPr vert="horz" wrap="none" lIns="0" tIns="0" rIns="0" bIns="0" numCol="1" anchor="ctr" anchorCtr="0" compatLnSpc="1">
+            <a:prstTxWarp prst="textNoShape">
+              <a:avLst/>
+            </a:prstTxWarp>
+            <a:spAutoFit/>
+          </a:bodyPr>
+          <a:lstStyle/>
+          <a:p>
+            <a:pPr marL="0" marR="0" lvl="0" indent="0" algn="l" defTabSz="914400" rtl="0" eaLnBrk="0" fontAlgn="base" latinLnBrk="0" hangingPunct="0">
+              <a:lnSpc>
+                <a:spcPct val="100000"/>
+              </a:lnSpc>
+              <a:spcBef>
+                <a:spcPct val="0"/>
+              </a:spcBef>
+              <a:spcAft>
+                <a:spcPct val="0"/>
+              </a:spcAft>
+              <a:buClrTx/>
+              <a:buSzTx/>
+              <a:buFontTx/>
+              <a:buNone/>
+              <a:tabLst/>
+            </a:pPr>
+            <a:r>
+              <a:rPr kumimoji="0" lang="en-US" altLang="en-US" sz="900" b="0" i="0" u="none" strike="noStrike" cap="none" normalizeH="0" baseline="0" dirty="0">
+                <a:ln>
+                  <a:noFill/>
+                </a:ln>
+                <a:solidFill>
+                  <a:srgbClr val="0000FF"/>
+                </a:solidFill>
+                <a:effectLst/>
+                <a:latin typeface="Lucida Console" panose="020B0609040504020204" pitchFamily="49" charset="0"/>
+              </a:rPr>
+              <a:t>&gt; plot(d1) </a:t>
+            </a:r>
+          </a:p>
+          <a:p>
+            <a:pPr marR="0" lvl="0" algn="l" defTabSz="914400" rtl="0" eaLnBrk="0" fontAlgn="base" latinLnBrk="0" hangingPunct="0">
+              <a:lnSpc>
+                <a:spcPct val="100000"/>
+              </a:lnSpc>
+              <a:spcBef>
+                <a:spcPct val="0"/>
+              </a:spcBef>
+              <a:spcAft>
+                <a:spcPct val="0"/>
+              </a:spcAft>
+              <a:buClrTx/>
+              <a:buSzTx/>
+              <a:tabLst/>
+            </a:pPr>
+            <a:r>
+              <a:rPr lang="en-US" altLang="en-US" sz="900" dirty="0">
+                <a:solidFill>
+                  <a:srgbClr val="0000FF"/>
+                </a:solidFill>
+                <a:latin typeface="Lucida Console" panose="020B0609040504020204" pitchFamily="49" charset="0"/>
+              </a:rPr>
+              <a:t>&gt; </a:t>
+            </a:r>
+            <a:r>
+              <a:rPr kumimoji="0" lang="en-US" altLang="en-US" sz="900" b="0" i="0" u="none" strike="noStrike" cap="none" normalizeH="0" baseline="0" dirty="0">
+                <a:ln>
+                  <a:noFill/>
+                </a:ln>
+                <a:solidFill>
+                  <a:srgbClr val="0000FF"/>
+                </a:solidFill>
+                <a:effectLst/>
+                <a:latin typeface="Lucida Console" panose="020B0609040504020204" pitchFamily="49" charset="0"/>
+              </a:rPr>
+              <a:t>polygon(d1, col='red')</a:t>
+            </a:r>
+          </a:p>
+          <a:p>
+            <a:pPr marR="0" lvl="0" algn="l" defTabSz="914400" rtl="0" eaLnBrk="0" fontAlgn="base" latinLnBrk="0" hangingPunct="0">
+              <a:lnSpc>
+                <a:spcPct val="100000"/>
+              </a:lnSpc>
+              <a:spcBef>
+                <a:spcPct val="0"/>
+              </a:spcBef>
+              <a:spcAft>
+                <a:spcPct val="0"/>
+              </a:spcAft>
+              <a:buClrTx/>
+              <a:buSzTx/>
+              <a:tabLst/>
+            </a:pPr>
+            <a:r>
+              <a:rPr kumimoji="0" lang="en-US" altLang="en-US" sz="900" b="0" i="0" u="none" strike="noStrike" cap="none" normalizeH="0" baseline="0" dirty="0">
+                <a:ln>
+                  <a:noFill/>
+                </a:ln>
+                <a:solidFill>
+                  <a:srgbClr val="0000FF"/>
+                </a:solidFill>
+                <a:effectLst/>
+                <a:latin typeface="Lucida Console" panose="020B0609040504020204" pitchFamily="49" charset="0"/>
+              </a:rPr>
+              <a:t> </a:t>
+            </a:r>
+          </a:p>
+          <a:p>
+            <a:pPr marR="0" lvl="0" algn="l" defTabSz="914400" rtl="0" eaLnBrk="0" fontAlgn="base" latinLnBrk="0" hangingPunct="0">
+              <a:lnSpc>
+                <a:spcPct val="100000"/>
+              </a:lnSpc>
+              <a:spcBef>
+                <a:spcPct val="0"/>
+              </a:spcBef>
+              <a:spcAft>
+                <a:spcPct val="0"/>
+              </a:spcAft>
+              <a:buClrTx/>
+              <a:buSzTx/>
+              <a:tabLst/>
+            </a:pPr>
+            <a:r>
+              <a:rPr kumimoji="0" lang="en-US" altLang="en-US" sz="900" b="0" i="0" u="none" strike="noStrike" cap="none" normalizeH="0" baseline="0" dirty="0">
+                <a:ln>
+                  <a:noFill/>
+                </a:ln>
+                <a:solidFill>
+                  <a:srgbClr val="0000FF"/>
+                </a:solidFill>
+                <a:effectLst/>
+                <a:latin typeface="Lucida Console" panose="020B0609040504020204" pitchFamily="49" charset="0"/>
+              </a:rPr>
+              <a:t>&gt; par(new=TRUE) </a:t>
+            </a:r>
+          </a:p>
+          <a:p>
+            <a:pPr marR="0" lvl="0" algn="l" defTabSz="914400" rtl="0" eaLnBrk="0" fontAlgn="base" latinLnBrk="0" hangingPunct="0">
+              <a:lnSpc>
+                <a:spcPct val="100000"/>
+              </a:lnSpc>
+              <a:spcBef>
+                <a:spcPct val="0"/>
+              </a:spcBef>
+              <a:spcAft>
+                <a:spcPct val="0"/>
+              </a:spcAft>
+              <a:buClrTx/>
+              <a:buSzTx/>
+              <a:tabLst/>
+            </a:pPr>
+            <a:endParaRPr kumimoji="0" lang="en-US" altLang="en-US" sz="900" b="0" i="0" u="none" strike="noStrike" cap="none" normalizeH="0" baseline="0" dirty="0">
+              <a:ln>
+                <a:noFill/>
+              </a:ln>
+              <a:solidFill>
+                <a:srgbClr val="0000FF"/>
+              </a:solidFill>
+              <a:effectLst/>
+              <a:latin typeface="Lucida Console" panose="020B0609040504020204" pitchFamily="49" charset="0"/>
+            </a:endParaRPr>
+          </a:p>
+          <a:p>
+            <a:pPr marR="0" lvl="0" algn="l" defTabSz="914400" rtl="0" eaLnBrk="0" fontAlgn="base" latinLnBrk="0" hangingPunct="0">
+              <a:lnSpc>
+                <a:spcPct val="100000"/>
+              </a:lnSpc>
+              <a:spcBef>
+                <a:spcPct val="0"/>
+              </a:spcBef>
+              <a:spcAft>
+                <a:spcPct val="0"/>
+              </a:spcAft>
+              <a:buClrTx/>
+              <a:buSzTx/>
+              <a:tabLst/>
+            </a:pPr>
+            <a:r>
+              <a:rPr kumimoji="0" lang="en-US" altLang="en-US" sz="900" b="0" i="0" u="none" strike="noStrike" cap="none" normalizeH="0" baseline="0" dirty="0">
+                <a:ln>
+                  <a:noFill/>
+                </a:ln>
+                <a:solidFill>
+                  <a:srgbClr val="0000FF"/>
+                </a:solidFill>
+                <a:effectLst/>
+                <a:latin typeface="Lucida Console" panose="020B0609040504020204" pitchFamily="49" charset="0"/>
+              </a:rPr>
+              <a:t>&gt; plot(d2) </a:t>
+            </a:r>
+          </a:p>
+          <a:p>
+            <a:pPr marR="0" lvl="0" algn="l" defTabSz="914400" rtl="0" eaLnBrk="0" fontAlgn="base" latinLnBrk="0" hangingPunct="0">
+              <a:lnSpc>
+                <a:spcPct val="100000"/>
+              </a:lnSpc>
+              <a:spcBef>
+                <a:spcPct val="0"/>
+              </a:spcBef>
+              <a:spcAft>
+                <a:spcPct val="0"/>
+              </a:spcAft>
+              <a:buClrTx/>
+              <a:buSzTx/>
+              <a:tabLst/>
+            </a:pPr>
+            <a:r>
+              <a:rPr kumimoji="0" lang="en-US" altLang="en-US" sz="900" b="0" i="0" u="none" strike="noStrike" cap="none" normalizeH="0" baseline="0" dirty="0">
+                <a:ln>
+                  <a:noFill/>
+                </a:ln>
+                <a:solidFill>
+                  <a:srgbClr val="0000FF"/>
+                </a:solidFill>
+                <a:effectLst/>
+                <a:latin typeface="Lucida Console" panose="020B0609040504020204" pitchFamily="49" charset="0"/>
+              </a:rPr>
+              <a:t>&gt; polygon(d2, col='blue')</a:t>
+            </a:r>
+            <a:endParaRPr kumimoji="0" lang="en-US" altLang="en-US" sz="1800" b="0" i="0" u="none" strike="noStrike" cap="none" normalizeH="0" baseline="0" dirty="0">
+              <a:ln>
+                <a:noFill/>
+              </a:ln>
+              <a:solidFill>
+                <a:schemeClr val="tx1"/>
+              </a:solidFill>
+              <a:effectLst/>
+              <a:latin typeface="Arial" panose="020B0604020202020204" pitchFamily="34" charset="0"/>
+            </a:endParaRPr>
+          </a:p>
+        </p:txBody>
+      </p:sp>
+      <p:pic>
+        <p:nvPicPr>
+          <p:cNvPr id="8" name="Picture 7" descr="A close up of a logo&#10;&#10;Description automatically generated">
+            <a:extLst>
+              <a:ext uri="{FF2B5EF4-FFF2-40B4-BE49-F238E27FC236}">
+                <a16:creationId xmlns:a16="http://schemas.microsoft.com/office/drawing/2014/main" id="{15BB2603-1B87-4AAA-AF0B-553F3B62EBF2}"/>
+              </a:ext>
+            </a:extLst>
+          </p:cNvPr>
+          <p:cNvPicPr>
+            <a:picLocks noChangeAspect="1"/>
+          </p:cNvPicPr>
+          <p:nvPr/>
+        </p:nvPicPr>
+        <p:blipFill>
+          <a:blip r:embed="rId2"/>
+          <a:stretch>
+            <a:fillRect/>
+          </a:stretch>
+        </p:blipFill>
+        <p:spPr>
+          <a:xfrm>
+            <a:off x="7070701" y="1484682"/>
+            <a:ext cx="3288003" cy="4253625"/>
+          </a:xfrm>
+          <a:prstGeom prst="rect">
+            <a:avLst/>
+          </a:prstGeom>
+        </p:spPr>
+      </p:pic>
+    </p:spTree>
+    <p:extLst>
+      <p:ext uri="{BB962C8B-B14F-4D97-AF65-F5344CB8AC3E}">
+        <p14:creationId xmlns:p14="http://schemas.microsoft.com/office/powerpoint/2010/main" val="3573870084"/>
+      </p:ext>
+    </p:extLst>
+  </p:cSld>
+  <p:clrMapOvr>
+    <a:masterClrMapping/>
+  </p:clrMapOvr>
+</p:sld>
+</file>
+
+<file path=ppt/slides/slide2.xml><?xml version="1.0" encoding="utf-8"?>
+<p:sld xmlns:a="http://schemas.openxmlformats.org/drawingml/2006/main" xmlns:r="http://schemas.openxmlformats.org/officeDocument/2006/relationships" xmlns:p="http://schemas.openxmlformats.org/presentationml/2006/main">
+  <p:cSld>
+    <p:spTree>
+      <p:nvGrpSpPr>
+        <p:cNvPr id="1" name=""/>
+        <p:cNvGrpSpPr/>
+        <p:nvPr/>
+      </p:nvGrpSpPr>
+      <p:grpSpPr>
+        <a:xfrm>
+          <a:off x="0" y="0"/>
+          <a:ext cx="0" cy="0"/>
+          <a:chOff x="0" y="0"/>
+          <a:chExt cx="0" cy="0"/>
+        </a:xfrm>
+      </p:grpSpPr>
+      <p:sp>
+        <p:nvSpPr>
+          <p:cNvPr id="2" name="Title 1">
+            <a:extLst>
+              <a:ext uri="{FF2B5EF4-FFF2-40B4-BE49-F238E27FC236}">
+                <a16:creationId xmlns:a16="http://schemas.microsoft.com/office/drawing/2014/main" id="{0906545C-F65A-4512-9A7A-B2004D1AD23C}"/>
+              </a:ext>
+            </a:extLst>
+          </p:cNvPr>
+          <p:cNvSpPr>
+            <a:spLocks noGrp="1"/>
+          </p:cNvSpPr>
+          <p:nvPr>
+            <p:ph type="title"/>
+          </p:nvPr>
+        </p:nvSpPr>
+        <p:spPr/>
+        <p:txBody>
+          <a:bodyPr/>
+          <a:lstStyle/>
+          <a:p>
+            <a:r>
+              <a:rPr lang="en-US" dirty="0"/>
+              <a:t>Volcano Plots</a:t>
+            </a:r>
+          </a:p>
+        </p:txBody>
+      </p:sp>
+      <p:sp>
+        <p:nvSpPr>
+          <p:cNvPr id="3" name="Content Placeholder 2">
+            <a:extLst>
+              <a:ext uri="{FF2B5EF4-FFF2-40B4-BE49-F238E27FC236}">
+                <a16:creationId xmlns:a16="http://schemas.microsoft.com/office/drawing/2014/main" id="{31CD0EFB-0838-4AE1-ACD6-1A078E60A0F6}"/>
+              </a:ext>
+            </a:extLst>
+          </p:cNvPr>
+          <p:cNvSpPr>
+            <a:spLocks noGrp="1"/>
+          </p:cNvSpPr>
+          <p:nvPr>
+            <p:ph idx="1"/>
+          </p:nvPr>
+        </p:nvSpPr>
+        <p:spPr>
+          <a:xfrm>
+            <a:off x="838200" y="1825625"/>
+            <a:ext cx="4895626" cy="4351338"/>
+          </a:xfrm>
+        </p:spPr>
+        <p:txBody>
+          <a:bodyPr/>
+          <a:lstStyle/>
+          <a:p>
+            <a:r>
+              <a:rPr lang="en-US" dirty="0"/>
+              <a:t>Useful, convenient way to visualize magnitude and significance at the same time</a:t>
+            </a:r>
+          </a:p>
+          <a:p>
+            <a:r>
+              <a:rPr lang="en-US" dirty="0"/>
+              <a:t>Statistical values should be platform-appropriate</a:t>
+            </a:r>
+          </a:p>
+          <a:p>
+            <a:pPr lvl="1"/>
+            <a:r>
+              <a:rPr lang="en-US" dirty="0"/>
+              <a:t>Remember: RNA-seq is not normally distributed!</a:t>
+            </a:r>
+          </a:p>
+        </p:txBody>
+      </p:sp>
+      <p:pic>
+        <p:nvPicPr>
+          <p:cNvPr id="1026" name="Picture 2" descr="Visualization of RNA-Seq results with Volcano Plot">
+            <a:extLst>
+              <a:ext uri="{FF2B5EF4-FFF2-40B4-BE49-F238E27FC236}">
+                <a16:creationId xmlns:a16="http://schemas.microsoft.com/office/drawing/2014/main" id="{6053764A-F735-450B-9A36-B11F35F324C8}"/>
+              </a:ext>
+            </a:extLst>
+          </p:cNvPr>
+          <p:cNvPicPr>
+            <a:picLocks noChangeAspect="1" noChangeArrowheads="1"/>
+          </p:cNvPicPr>
+          <p:nvPr/>
+        </p:nvPicPr>
+        <p:blipFill>
+          <a:blip r:embed="rId2">
+            <a:extLst>
+              <a:ext uri="{28A0092B-C50C-407E-A947-70E740481C1C}">
+                <a14:useLocalDpi xmlns:a14="http://schemas.microsoft.com/office/drawing/2010/main" val="0"/>
+              </a:ext>
+            </a:extLst>
+          </a:blip>
+          <a:srcRect/>
+          <a:stretch>
+            <a:fillRect/>
+          </a:stretch>
+        </p:blipFill>
+        <p:spPr bwMode="auto">
+          <a:xfrm>
+            <a:off x="6693014" y="1170598"/>
+            <a:ext cx="4972758" cy="5006365"/>
+          </a:xfrm>
+          <a:prstGeom prst="rect">
+            <a:avLst/>
+          </a:prstGeom>
+          <a:noFill/>
+          <a:extLst>
+            <a:ext uri="{909E8E84-426E-40DD-AFC4-6F175D3DCCD1}">
+              <a14:hiddenFill xmlns:a14="http://schemas.microsoft.com/office/drawing/2010/main">
+                <a:solidFill>
+                  <a:srgbClr val="FFFFFF"/>
+                </a:solidFill>
+              </a14:hiddenFill>
+            </a:ext>
+          </a:extLst>
+        </p:spPr>
+      </p:pic>
+    </p:spTree>
+    <p:extLst>
+      <p:ext uri="{BB962C8B-B14F-4D97-AF65-F5344CB8AC3E}">
+        <p14:creationId xmlns:p14="http://schemas.microsoft.com/office/powerpoint/2010/main" val="1058944615"/>
+      </p:ext>
+    </p:extLst>
+  </p:cSld>
+  <p:clrMapOvr>
+    <a:masterClrMapping/>
+  </p:clrMapOvr>
+</p:sld>
+</file>
+
+<file path=ppt/slides/slide3.xml><?xml version="1.0" encoding="utf-8"?>
+<p:sld xmlns:a="http://schemas.openxmlformats.org/drawingml/2006/main" xmlns:r="http://schemas.openxmlformats.org/officeDocument/2006/relationships" xmlns:p="http://schemas.openxmlformats.org/presentationml/2006/main">
+  <p:cSld>
+    <p:spTree>
+      <p:nvGrpSpPr>
+        <p:cNvPr id="1" name=""/>
+        <p:cNvGrpSpPr/>
+        <p:nvPr/>
+      </p:nvGrpSpPr>
+      <p:grpSpPr>
+        <a:xfrm>
+          <a:off x="0" y="0"/>
+          <a:ext cx="0" cy="0"/>
+          <a:chOff x="0" y="0"/>
+          <a:chExt cx="0" cy="0"/>
+        </a:xfrm>
+      </p:grpSpPr>
+      <p:sp>
+        <p:nvSpPr>
+          <p:cNvPr id="2" name="Title 1">
+            <a:extLst>
+              <a:ext uri="{FF2B5EF4-FFF2-40B4-BE49-F238E27FC236}">
+                <a16:creationId xmlns:a16="http://schemas.microsoft.com/office/drawing/2014/main" id="{D169371A-F2D1-4CD4-9389-30A0A7819415}"/>
+              </a:ext>
+            </a:extLst>
+          </p:cNvPr>
+          <p:cNvSpPr>
+            <a:spLocks noGrp="1"/>
+          </p:cNvSpPr>
+          <p:nvPr>
+            <p:ph type="title"/>
+          </p:nvPr>
+        </p:nvSpPr>
+        <p:spPr/>
+        <p:txBody>
+          <a:bodyPr/>
+          <a:lstStyle/>
+          <a:p>
+            <a:r>
+              <a:rPr lang="en-US" dirty="0"/>
+              <a:t>Volcano Plots</a:t>
+            </a:r>
+          </a:p>
+        </p:txBody>
+      </p:sp>
+      <p:sp>
+        <p:nvSpPr>
+          <p:cNvPr id="3" name="Content Placeholder 2">
+            <a:extLst>
+              <a:ext uri="{FF2B5EF4-FFF2-40B4-BE49-F238E27FC236}">
+                <a16:creationId xmlns:a16="http://schemas.microsoft.com/office/drawing/2014/main" id="{AEA9F769-C649-4D49-8FED-CC5597488FAB}"/>
+              </a:ext>
+            </a:extLst>
+          </p:cNvPr>
+          <p:cNvSpPr>
+            <a:spLocks noGrp="1"/>
+          </p:cNvSpPr>
+          <p:nvPr>
+            <p:ph idx="1"/>
+          </p:nvPr>
+        </p:nvSpPr>
+        <p:spPr/>
+        <p:txBody>
+          <a:bodyPr/>
+          <a:lstStyle/>
+          <a:p>
+            <a:r>
+              <a:rPr lang="en-US" dirty="0"/>
+              <a:t>1. Take RNA-seq differential expression data from DESeq2</a:t>
+            </a:r>
+          </a:p>
+          <a:p>
+            <a:r>
+              <a:rPr lang="en-US" dirty="0"/>
+              <a:t>2. Download the </a:t>
+            </a:r>
+            <a:r>
+              <a:rPr lang="en-US" b="1" i="0" dirty="0" err="1">
+                <a:solidFill>
+                  <a:srgbClr val="24292E"/>
+                </a:solidFill>
+                <a:effectLst/>
+                <a:latin typeface="-apple-system"/>
+              </a:rPr>
+              <a:t>EnhancedVolcano</a:t>
+            </a:r>
+            <a:r>
+              <a:rPr lang="en-US" b="1" i="0" dirty="0">
+                <a:solidFill>
+                  <a:srgbClr val="24292E"/>
+                </a:solidFill>
+                <a:effectLst/>
+                <a:latin typeface="-apple-system"/>
+              </a:rPr>
+              <a:t> </a:t>
+            </a:r>
+            <a:r>
+              <a:rPr lang="en-US" i="0" dirty="0">
+                <a:solidFill>
+                  <a:srgbClr val="24292E"/>
+                </a:solidFill>
+                <a:effectLst/>
+                <a:latin typeface="-apple-system"/>
+              </a:rPr>
+              <a:t>package from </a:t>
+            </a:r>
+            <a:r>
+              <a:rPr lang="en-US" i="0" dirty="0" err="1">
+                <a:solidFill>
+                  <a:srgbClr val="24292E"/>
+                </a:solidFill>
+                <a:effectLst/>
+                <a:latin typeface="-apple-system"/>
+              </a:rPr>
+              <a:t>BioConductor</a:t>
+            </a:r>
+            <a:endParaRPr lang="en-US" i="0" dirty="0">
+              <a:solidFill>
+                <a:srgbClr val="24292E"/>
+              </a:solidFill>
+              <a:effectLst/>
+              <a:latin typeface="-apple-system"/>
+            </a:endParaRPr>
+          </a:p>
+          <a:p>
+            <a:pPr marL="457200" lvl="1" indent="0">
+              <a:buNone/>
+            </a:pPr>
+            <a:r>
+              <a:rPr lang="en-US" i="0" dirty="0" err="1">
+                <a:solidFill>
+                  <a:srgbClr val="24292E"/>
+                </a:solidFill>
+                <a:effectLst/>
+                <a:latin typeface="-apple-system"/>
+              </a:rPr>
+              <a:t>BiocManager</a:t>
+            </a:r>
+            <a:r>
+              <a:rPr lang="en-US" i="0" dirty="0">
+                <a:solidFill>
+                  <a:srgbClr val="24292E"/>
+                </a:solidFill>
+                <a:effectLst/>
+                <a:latin typeface="-apple-system"/>
+              </a:rPr>
+              <a:t>::install(‘</a:t>
+            </a:r>
+            <a:r>
+              <a:rPr lang="en-US" i="0" dirty="0" err="1">
+                <a:solidFill>
+                  <a:srgbClr val="24292E"/>
+                </a:solidFill>
+                <a:effectLst/>
+                <a:latin typeface="-apple-system"/>
+              </a:rPr>
+              <a:t>EnhancedVolcano</a:t>
+            </a:r>
+            <a:r>
+              <a:rPr lang="en-US" i="0" dirty="0">
+                <a:solidFill>
+                  <a:srgbClr val="24292E"/>
+                </a:solidFill>
+                <a:effectLst/>
+                <a:latin typeface="-apple-system"/>
+              </a:rPr>
+              <a:t>’)</a:t>
+            </a:r>
+          </a:p>
+          <a:p>
+            <a:pPr marL="0" indent="0">
+              <a:buNone/>
+            </a:pPr>
+            <a:endParaRPr lang="en-US" i="0" dirty="0">
+              <a:solidFill>
+                <a:srgbClr val="24292E"/>
+              </a:solidFill>
+              <a:effectLst/>
+              <a:latin typeface="-apple-system"/>
+            </a:endParaRPr>
+          </a:p>
+        </p:txBody>
+      </p:sp>
+    </p:spTree>
+    <p:extLst>
+      <p:ext uri="{BB962C8B-B14F-4D97-AF65-F5344CB8AC3E}">
+        <p14:creationId xmlns:p14="http://schemas.microsoft.com/office/powerpoint/2010/main" val="584935423"/>
+      </p:ext>
+    </p:extLst>
+  </p:cSld>
+  <p:clrMapOvr>
+    <a:masterClrMapping/>
+  </p:clrMapOvr>
+</p:sld>
+</file>
+
+<file path=ppt/slides/slide4.xml><?xml version="1.0" encoding="utf-8"?>
+<p:sld xmlns:a="http://schemas.openxmlformats.org/drawingml/2006/main" xmlns:r="http://schemas.openxmlformats.org/officeDocument/2006/relationships" xmlns:p="http://schemas.openxmlformats.org/presentationml/2006/main">
+  <p:cSld>
+    <p:spTree>
+      <p:nvGrpSpPr>
+        <p:cNvPr id="1" name=""/>
+        <p:cNvGrpSpPr/>
+        <p:nvPr/>
+      </p:nvGrpSpPr>
+      <p:grpSpPr>
+        <a:xfrm>
+          <a:off x="0" y="0"/>
+          <a:ext cx="0" cy="0"/>
+          <a:chOff x="0" y="0"/>
+          <a:chExt cx="0" cy="0"/>
+        </a:xfrm>
+      </p:grpSpPr>
+      <p:sp>
+        <p:nvSpPr>
+          <p:cNvPr id="4" name="Rectangle 1">
+            <a:extLst>
+              <a:ext uri="{FF2B5EF4-FFF2-40B4-BE49-F238E27FC236}">
+                <a16:creationId xmlns:a16="http://schemas.microsoft.com/office/drawing/2014/main" id="{1D9A4A1E-DCCB-4EC8-9011-B9DDD8BA3503}"/>
+              </a:ext>
+            </a:extLst>
+          </p:cNvPr>
+          <p:cNvSpPr>
+            <a:spLocks noChangeArrowheads="1"/>
+          </p:cNvSpPr>
+          <p:nvPr/>
+        </p:nvSpPr>
+        <p:spPr bwMode="auto">
+          <a:xfrm>
+            <a:off x="585537" y="1404298"/>
+            <a:ext cx="9852056" cy="1708160"/>
+          </a:xfrm>
+          <a:prstGeom prst="rect">
+            <a:avLst/>
+          </a:prstGeom>
+          <a:solidFill>
+            <a:srgbClr val="FFFFFF"/>
+          </a:solidFill>
+          <a:ln>
+            <a:noFill/>
+          </a:ln>
+          <a:effectLst/>
+          <a:extLst>
+            <a:ext uri="{91240B29-F687-4F45-9708-019B960494DF}">
+              <a14:hiddenLine xmlns:a14="http://schemas.microsoft.com/office/drawing/2010/main" w="9525">
+                <a:solidFill>
+                  <a:schemeClr val="tx1"/>
+                </a:solidFill>
+                <a:miter lim="800000"/>
+                <a:headEnd/>
+                <a:tailEnd/>
+              </a14:hiddenLine>
+            </a:ext>
+            <a:ext uri="{AF507438-7753-43E0-B8FC-AC1667EBCBE1}">
+              <a14:hiddenEffects xmlns:a14="http://schemas.microsoft.com/office/drawing/2010/main">
+                <a:effectLst>
+                  <a:outerShdw dist="35921" dir="2700000" algn="ctr" rotWithShape="0">
+                    <a:schemeClr val="bg2"/>
+                  </a:outerShdw>
+                </a:effectLst>
+              </a14:hiddenEffects>
+            </a:ext>
+          </a:extLst>
+        </p:spPr>
+        <p:txBody>
+          <a:bodyPr vert="horz" wrap="none" lIns="0" tIns="0" rIns="0" bIns="0" numCol="1" anchor="ctr" anchorCtr="0" compatLnSpc="1">
+            <a:prstTxWarp prst="textNoShape">
+              <a:avLst/>
+            </a:prstTxWarp>
+            <a:spAutoFit/>
+          </a:bodyPr>
+          <a:lstStyle/>
+          <a:p>
+            <a:pPr marR="0" lvl="0" algn="l" defTabSz="914400" rtl="0" eaLnBrk="0" fontAlgn="base" latinLnBrk="0" hangingPunct="0">
+              <a:lnSpc>
+                <a:spcPct val="100000"/>
+              </a:lnSpc>
+              <a:spcBef>
+                <a:spcPct val="0"/>
+              </a:spcBef>
+              <a:spcAft>
+                <a:spcPct val="0"/>
+              </a:spcAft>
+              <a:buClrTx/>
+              <a:buSzTx/>
+              <a:tabLst/>
+            </a:pPr>
+            <a:r>
+              <a:rPr kumimoji="0" lang="en-US" altLang="en-US" sz="1200" b="0" i="0" u="none" strike="noStrike" cap="none" normalizeH="0" baseline="0" dirty="0">
+                <a:ln>
+                  <a:noFill/>
+                </a:ln>
+                <a:solidFill>
+                  <a:srgbClr val="0000FF"/>
+                </a:solidFill>
+                <a:effectLst/>
+                <a:latin typeface="Lucida Console" panose="020B0609040504020204" pitchFamily="49" charset="0"/>
+              </a:rPr>
+              <a:t>&gt; library(DESeq2)</a:t>
+            </a:r>
+          </a:p>
+          <a:p>
+            <a:pPr marR="0" lvl="0" algn="l" defTabSz="914400" rtl="0" eaLnBrk="0" fontAlgn="base" latinLnBrk="0" hangingPunct="0">
+              <a:lnSpc>
+                <a:spcPct val="100000"/>
+              </a:lnSpc>
+              <a:spcBef>
+                <a:spcPct val="0"/>
+              </a:spcBef>
+              <a:spcAft>
+                <a:spcPct val="0"/>
+              </a:spcAft>
+              <a:buClrTx/>
+              <a:buSzTx/>
+              <a:tabLst/>
+            </a:pPr>
+            <a:r>
+              <a:rPr kumimoji="0" lang="en-US" altLang="en-US" sz="1200" b="0" i="0" u="none" strike="noStrike" cap="none" normalizeH="0" baseline="0" dirty="0">
+                <a:ln>
+                  <a:noFill/>
+                </a:ln>
+                <a:solidFill>
+                  <a:srgbClr val="0000FF"/>
+                </a:solidFill>
+                <a:effectLst/>
+                <a:latin typeface="Lucida Console" panose="020B0609040504020204" pitchFamily="49" charset="0"/>
+              </a:rPr>
+              <a:t>&gt; </a:t>
+            </a:r>
+            <a:r>
+              <a:rPr kumimoji="0" lang="en-US" altLang="en-US" sz="1200" b="0" i="0" u="none" strike="noStrike" cap="none" normalizeH="0" baseline="0" dirty="0" err="1">
+                <a:ln>
+                  <a:noFill/>
+                </a:ln>
+                <a:solidFill>
+                  <a:srgbClr val="0000FF"/>
+                </a:solidFill>
+                <a:effectLst/>
+                <a:latin typeface="Lucida Console" panose="020B0609040504020204" pitchFamily="49" charset="0"/>
+              </a:rPr>
+              <a:t>count_table</a:t>
+            </a:r>
+            <a:r>
+              <a:rPr kumimoji="0" lang="en-US" altLang="en-US" sz="1200" b="0" i="0" u="none" strike="noStrike" cap="none" normalizeH="0" baseline="0" dirty="0">
+                <a:ln>
+                  <a:noFill/>
+                </a:ln>
+                <a:solidFill>
+                  <a:srgbClr val="0000FF"/>
+                </a:solidFill>
+                <a:effectLst/>
+                <a:latin typeface="Lucida Console" panose="020B0609040504020204" pitchFamily="49" charset="0"/>
+              </a:rPr>
+              <a:t> &lt;- </a:t>
+            </a:r>
+            <a:r>
+              <a:rPr kumimoji="0" lang="en-US" altLang="en-US" sz="1200" b="0" i="0" u="none" strike="noStrike" cap="none" normalizeH="0" baseline="0" dirty="0" err="1">
+                <a:ln>
+                  <a:noFill/>
+                </a:ln>
+                <a:solidFill>
+                  <a:srgbClr val="0000FF"/>
+                </a:solidFill>
+                <a:effectLst/>
+                <a:latin typeface="Lucida Console" panose="020B0609040504020204" pitchFamily="49" charset="0"/>
+              </a:rPr>
+              <a:t>read.table</a:t>
+            </a:r>
+            <a:r>
+              <a:rPr kumimoji="0" lang="en-US" altLang="en-US" sz="1200" b="0" i="0" u="none" strike="noStrike" cap="none" normalizeH="0" baseline="0" dirty="0">
+                <a:ln>
+                  <a:noFill/>
+                </a:ln>
+                <a:solidFill>
+                  <a:srgbClr val="0000FF"/>
+                </a:solidFill>
+                <a:effectLst/>
+                <a:latin typeface="Lucida Console" panose="020B0609040504020204" pitchFamily="49" charset="0"/>
+              </a:rPr>
+              <a:t>(</a:t>
+            </a:r>
+          </a:p>
+          <a:p>
+            <a:pPr lvl="1" eaLnBrk="0" fontAlgn="base" hangingPunct="0">
+              <a:spcBef>
+                <a:spcPct val="0"/>
+              </a:spcBef>
+              <a:spcAft>
+                <a:spcPct val="0"/>
+              </a:spcAft>
+            </a:pPr>
+            <a:r>
+              <a:rPr kumimoji="0" lang="en-US" altLang="en-US" sz="1200" b="0" i="0" u="none" strike="noStrike" cap="none" normalizeH="0" baseline="0" dirty="0">
+                <a:ln>
+                  <a:noFill/>
+                </a:ln>
+                <a:solidFill>
+                  <a:srgbClr val="0000FF"/>
+                </a:solidFill>
+                <a:effectLst/>
+                <a:latin typeface="Lucida Console" panose="020B0609040504020204" pitchFamily="49" charset="0"/>
+              </a:rPr>
+              <a:t>"C:\\Users\\jorda\\Desktop\\projects\\bioinformatics-bootcamp\\class_6_2\\sce_mct1_03hr_counts.txt", </a:t>
+            </a:r>
+          </a:p>
+          <a:p>
+            <a:pPr lvl="1" eaLnBrk="0" fontAlgn="base" hangingPunct="0">
+              <a:spcBef>
+                <a:spcPct val="0"/>
+              </a:spcBef>
+              <a:spcAft>
+                <a:spcPct val="0"/>
+              </a:spcAft>
+            </a:pPr>
+            <a:r>
+              <a:rPr kumimoji="0" lang="en-US" altLang="en-US" sz="1200" b="0" i="0" u="none" strike="noStrike" cap="none" normalizeH="0" baseline="0" dirty="0" err="1">
+                <a:ln>
+                  <a:noFill/>
+                </a:ln>
+                <a:solidFill>
+                  <a:srgbClr val="0000FF"/>
+                </a:solidFill>
+                <a:effectLst/>
+                <a:latin typeface="Lucida Console" panose="020B0609040504020204" pitchFamily="49" charset="0"/>
+              </a:rPr>
+              <a:t>sep</a:t>
+            </a:r>
+            <a:r>
+              <a:rPr kumimoji="0" lang="en-US" altLang="en-US" sz="1200" b="0" i="0" u="none" strike="noStrike" cap="none" normalizeH="0" baseline="0" dirty="0">
+                <a:ln>
+                  <a:noFill/>
+                </a:ln>
+                <a:solidFill>
+                  <a:srgbClr val="0000FF"/>
+                </a:solidFill>
+                <a:effectLst/>
+                <a:latin typeface="Lucida Console" panose="020B0609040504020204" pitchFamily="49" charset="0"/>
+              </a:rPr>
+              <a:t> = '\t’, </a:t>
+            </a:r>
+          </a:p>
+          <a:p>
+            <a:pPr lvl="1" eaLnBrk="0" fontAlgn="base" hangingPunct="0">
+              <a:spcBef>
+                <a:spcPct val="0"/>
+              </a:spcBef>
+              <a:spcAft>
+                <a:spcPct val="0"/>
+              </a:spcAft>
+            </a:pPr>
+            <a:r>
+              <a:rPr kumimoji="0" lang="en-US" altLang="en-US" sz="1200" b="0" i="0" u="none" strike="noStrike" cap="none" normalizeH="0" baseline="0" dirty="0">
+                <a:ln>
+                  <a:noFill/>
+                </a:ln>
+                <a:solidFill>
+                  <a:srgbClr val="0000FF"/>
+                </a:solidFill>
+                <a:effectLst/>
+                <a:latin typeface="Lucida Console" panose="020B0609040504020204" pitchFamily="49" charset="0"/>
+              </a:rPr>
+              <a:t>header = TRUE, </a:t>
+            </a:r>
+          </a:p>
+          <a:p>
+            <a:pPr lvl="1" eaLnBrk="0" fontAlgn="base" hangingPunct="0">
+              <a:spcBef>
+                <a:spcPct val="0"/>
+              </a:spcBef>
+              <a:spcAft>
+                <a:spcPct val="0"/>
+              </a:spcAft>
+            </a:pPr>
+            <a:r>
+              <a:rPr kumimoji="0" lang="en-US" altLang="en-US" sz="1200" b="0" i="0" u="none" strike="noStrike" cap="none" normalizeH="0" baseline="0" dirty="0" err="1">
+                <a:ln>
+                  <a:noFill/>
+                </a:ln>
+                <a:solidFill>
+                  <a:srgbClr val="0000FF"/>
+                </a:solidFill>
+                <a:effectLst/>
+                <a:latin typeface="Lucida Console" panose="020B0609040504020204" pitchFamily="49" charset="0"/>
+              </a:rPr>
+              <a:t>row.names</a:t>
+            </a:r>
+            <a:r>
+              <a:rPr kumimoji="0" lang="en-US" altLang="en-US" sz="1200" b="0" i="0" u="none" strike="noStrike" cap="none" normalizeH="0" baseline="0" dirty="0">
+                <a:ln>
+                  <a:noFill/>
+                </a:ln>
+                <a:solidFill>
+                  <a:srgbClr val="0000FF"/>
+                </a:solidFill>
+                <a:effectLst/>
+                <a:latin typeface="Lucida Console" panose="020B0609040504020204" pitchFamily="49" charset="0"/>
+              </a:rPr>
+              <a:t> = 1, </a:t>
+            </a:r>
+          </a:p>
+          <a:p>
+            <a:pPr lvl="1" eaLnBrk="0" fontAlgn="base" hangingPunct="0">
+              <a:spcBef>
+                <a:spcPct val="0"/>
+              </a:spcBef>
+              <a:spcAft>
+                <a:spcPct val="0"/>
+              </a:spcAft>
+            </a:pPr>
+            <a:r>
+              <a:rPr kumimoji="0" lang="en-US" altLang="en-US" sz="1200" b="0" i="0" u="none" strike="noStrike" cap="none" normalizeH="0" baseline="0" dirty="0" err="1">
+                <a:ln>
+                  <a:noFill/>
+                </a:ln>
+                <a:solidFill>
+                  <a:srgbClr val="0000FF"/>
+                </a:solidFill>
+                <a:effectLst/>
+                <a:latin typeface="Lucida Console" panose="020B0609040504020204" pitchFamily="49" charset="0"/>
+              </a:rPr>
+              <a:t>check.names</a:t>
+            </a:r>
+            <a:r>
+              <a:rPr kumimoji="0" lang="en-US" altLang="en-US" sz="1200" b="0" i="0" u="none" strike="noStrike" cap="none" normalizeH="0" baseline="0" dirty="0">
+                <a:ln>
+                  <a:noFill/>
+                </a:ln>
+                <a:solidFill>
+                  <a:srgbClr val="0000FF"/>
+                </a:solidFill>
+                <a:effectLst/>
+                <a:latin typeface="Lucida Console" panose="020B0609040504020204" pitchFamily="49" charset="0"/>
+              </a:rPr>
+              <a:t>=F)</a:t>
+            </a:r>
+            <a:endParaRPr lang="en-US" altLang="en-US" sz="1200" dirty="0">
+              <a:solidFill>
+                <a:srgbClr val="0000FF"/>
+              </a:solidFill>
+              <a:latin typeface="Arial" panose="020B0604020202020204" pitchFamily="34" charset="0"/>
+            </a:endParaRPr>
+          </a:p>
+          <a:p>
+            <a:pPr lvl="1" eaLnBrk="0" fontAlgn="base" hangingPunct="0">
+              <a:spcBef>
+                <a:spcPct val="0"/>
+              </a:spcBef>
+              <a:spcAft>
+                <a:spcPct val="0"/>
+              </a:spcAft>
+            </a:pPr>
+            <a:endParaRPr lang="en-US" altLang="en-US" sz="900" dirty="0">
+              <a:solidFill>
+                <a:srgbClr val="0000FF"/>
+              </a:solidFill>
+              <a:latin typeface="Arial" panose="020B0604020202020204" pitchFamily="34" charset="0"/>
+            </a:endParaRPr>
+          </a:p>
+          <a:p>
+            <a:pPr lvl="1" eaLnBrk="0" fontAlgn="base" hangingPunct="0">
+              <a:spcBef>
+                <a:spcPct val="0"/>
+              </a:spcBef>
+              <a:spcAft>
+                <a:spcPct val="0"/>
+              </a:spcAft>
+            </a:pPr>
+            <a:endParaRPr lang="en-US" altLang="en-US" sz="900" dirty="0">
+              <a:solidFill>
+                <a:srgbClr val="0000FF"/>
+              </a:solidFill>
+              <a:latin typeface="Arial" panose="020B0604020202020204" pitchFamily="34" charset="0"/>
+            </a:endParaRPr>
+          </a:p>
+          <a:p>
+            <a:pPr lvl="1" eaLnBrk="0" fontAlgn="base" hangingPunct="0">
+              <a:spcBef>
+                <a:spcPct val="0"/>
+              </a:spcBef>
+              <a:spcAft>
+                <a:spcPct val="0"/>
+              </a:spcAft>
+            </a:pPr>
+            <a:endParaRPr lang="en-US" altLang="en-US" sz="900" dirty="0">
+              <a:latin typeface="Arial" panose="020B0604020202020204" pitchFamily="34" charset="0"/>
+            </a:endParaRPr>
+          </a:p>
+        </p:txBody>
+      </p:sp>
+      <p:sp>
+        <p:nvSpPr>
+          <p:cNvPr id="8" name="Rectangle 2">
+            <a:extLst>
+              <a:ext uri="{FF2B5EF4-FFF2-40B4-BE49-F238E27FC236}">
+                <a16:creationId xmlns:a16="http://schemas.microsoft.com/office/drawing/2014/main" id="{EBF5C32D-4E1A-49F3-A074-F81D965E3E70}"/>
+              </a:ext>
+            </a:extLst>
+          </p:cNvPr>
+          <p:cNvSpPr>
+            <a:spLocks noChangeArrowheads="1"/>
+          </p:cNvSpPr>
+          <p:nvPr/>
+        </p:nvSpPr>
+        <p:spPr bwMode="auto">
+          <a:xfrm>
+            <a:off x="585537" y="2900190"/>
+            <a:ext cx="11422999" cy="2585323"/>
+          </a:xfrm>
+          <a:prstGeom prst="rect">
+            <a:avLst/>
+          </a:prstGeom>
+          <a:solidFill>
+            <a:srgbClr val="FFFFFF"/>
+          </a:solidFill>
+          <a:ln>
+            <a:noFill/>
+          </a:ln>
+          <a:effectLst/>
+          <a:extLst>
+            <a:ext uri="{91240B29-F687-4F45-9708-019B960494DF}">
+              <a14:hiddenLine xmlns:a14="http://schemas.microsoft.com/office/drawing/2010/main" w="9525">
+                <a:solidFill>
+                  <a:schemeClr val="tx1"/>
+                </a:solidFill>
+                <a:miter lim="800000"/>
+                <a:headEnd/>
+                <a:tailEnd/>
+              </a14:hiddenLine>
+            </a:ext>
+            <a:ext uri="{AF507438-7753-43E0-B8FC-AC1667EBCBE1}">
+              <a14:hiddenEffects xmlns:a14="http://schemas.microsoft.com/office/drawing/2010/main">
+                <a:effectLst>
+                  <a:outerShdw dist="35921" dir="2700000" algn="ctr" rotWithShape="0">
+                    <a:schemeClr val="bg2"/>
+                  </a:outerShdw>
+                </a:effectLst>
+              </a14:hiddenEffects>
+            </a:ext>
+          </a:extLst>
+        </p:spPr>
+        <p:txBody>
+          <a:bodyPr vert="horz" wrap="none" lIns="0" tIns="0" rIns="0" bIns="0" numCol="1" anchor="ctr" anchorCtr="0" compatLnSpc="1">
+            <a:prstTxWarp prst="textNoShape">
+              <a:avLst/>
+            </a:prstTxWarp>
+            <a:spAutoFit/>
+          </a:bodyPr>
+          <a:lstStyle/>
+          <a:p>
+            <a:pPr marL="0" marR="0" lvl="0" indent="0" algn="l" defTabSz="914400" rtl="0" eaLnBrk="0" fontAlgn="base" latinLnBrk="0" hangingPunct="0">
+              <a:lnSpc>
+                <a:spcPct val="100000"/>
+              </a:lnSpc>
+              <a:spcBef>
+                <a:spcPct val="0"/>
+              </a:spcBef>
+              <a:spcAft>
+                <a:spcPct val="0"/>
+              </a:spcAft>
+              <a:buClrTx/>
+              <a:buSzTx/>
+              <a:buFontTx/>
+              <a:buNone/>
+              <a:tabLst/>
+            </a:pPr>
+            <a:r>
+              <a:rPr kumimoji="0" lang="en-US" altLang="en-US" sz="1200" b="0" i="0" u="none" strike="noStrike" cap="none" normalizeH="0" baseline="0" dirty="0">
+                <a:ln>
+                  <a:noFill/>
+                </a:ln>
+                <a:solidFill>
+                  <a:srgbClr val="0000FF"/>
+                </a:solidFill>
+                <a:effectLst/>
+                <a:latin typeface="Lucida Console" panose="020B0609040504020204" pitchFamily="49" charset="0"/>
+              </a:rPr>
+              <a:t>&gt; </a:t>
+            </a:r>
+            <a:r>
+              <a:rPr kumimoji="0" lang="en-US" altLang="en-US" sz="1200" b="0" i="0" u="none" strike="noStrike" cap="none" normalizeH="0" baseline="0" dirty="0" err="1">
+                <a:ln>
+                  <a:noFill/>
+                </a:ln>
+                <a:solidFill>
+                  <a:srgbClr val="0000FF"/>
+                </a:solidFill>
+                <a:effectLst/>
+                <a:latin typeface="Lucida Console" panose="020B0609040504020204" pitchFamily="49" charset="0"/>
+              </a:rPr>
+              <a:t>sample_table</a:t>
+            </a:r>
+            <a:r>
+              <a:rPr kumimoji="0" lang="en-US" altLang="en-US" sz="1200" b="0" i="0" u="none" strike="noStrike" cap="none" normalizeH="0" baseline="0" dirty="0">
+                <a:ln>
+                  <a:noFill/>
+                </a:ln>
+                <a:solidFill>
+                  <a:srgbClr val="0000FF"/>
+                </a:solidFill>
+                <a:effectLst/>
+                <a:latin typeface="Lucida Console" panose="020B0609040504020204" pitchFamily="49" charset="0"/>
+              </a:rPr>
+              <a:t> &lt;- </a:t>
+            </a:r>
+            <a:r>
+              <a:rPr kumimoji="0" lang="en-US" altLang="en-US" sz="1200" b="0" i="0" u="none" strike="noStrike" cap="none" normalizeH="0" baseline="0" dirty="0" err="1">
+                <a:ln>
+                  <a:noFill/>
+                </a:ln>
+                <a:solidFill>
+                  <a:srgbClr val="0000FF"/>
+                </a:solidFill>
+                <a:effectLst/>
+                <a:latin typeface="Lucida Console" panose="020B0609040504020204" pitchFamily="49" charset="0"/>
+              </a:rPr>
+              <a:t>read.table</a:t>
+            </a:r>
+            <a:r>
+              <a:rPr kumimoji="0" lang="en-US" altLang="en-US" sz="1200" b="0" i="0" u="none" strike="noStrike" cap="none" normalizeH="0" baseline="0" dirty="0">
+                <a:ln>
+                  <a:noFill/>
+                </a:ln>
+                <a:solidFill>
+                  <a:srgbClr val="0000FF"/>
+                </a:solidFill>
+                <a:effectLst/>
+                <a:latin typeface="Lucida Console" panose="020B0609040504020204" pitchFamily="49" charset="0"/>
+              </a:rPr>
+              <a:t>(</a:t>
+            </a:r>
+          </a:p>
+          <a:p>
+            <a:pPr marL="0" marR="0" lvl="0" indent="0" algn="l" defTabSz="914400" rtl="0" eaLnBrk="0" fontAlgn="base" latinLnBrk="0" hangingPunct="0">
+              <a:lnSpc>
+                <a:spcPct val="100000"/>
+              </a:lnSpc>
+              <a:spcBef>
+                <a:spcPct val="0"/>
+              </a:spcBef>
+              <a:spcAft>
+                <a:spcPct val="0"/>
+              </a:spcAft>
+              <a:buClrTx/>
+              <a:buSzTx/>
+              <a:buFontTx/>
+              <a:buNone/>
+              <a:tabLst/>
+            </a:pPr>
+            <a:r>
+              <a:rPr kumimoji="0" lang="en-US" altLang="en-US" sz="1200" b="0" i="0" u="none" strike="noStrike" cap="none" normalizeH="0" baseline="0" dirty="0">
+                <a:ln>
+                  <a:noFill/>
+                </a:ln>
+                <a:solidFill>
+                  <a:srgbClr val="0000FF"/>
+                </a:solidFill>
+                <a:effectLst/>
+                <a:latin typeface="Lucida Console" panose="020B0609040504020204" pitchFamily="49" charset="0"/>
+              </a:rPr>
+              <a:t>	text = </a:t>
+            </a:r>
+            <a:r>
+              <a:rPr kumimoji="0" lang="en-US" altLang="en-US" sz="1200" b="0" i="0" u="none" strike="noStrike" cap="none" normalizeH="0" baseline="0" dirty="0" err="1">
+                <a:ln>
+                  <a:noFill/>
+                </a:ln>
+                <a:solidFill>
+                  <a:srgbClr val="0000FF"/>
+                </a:solidFill>
+                <a:effectLst/>
+                <a:latin typeface="Lucida Console" panose="020B0609040504020204" pitchFamily="49" charset="0"/>
+              </a:rPr>
+              <a:t>readLines</a:t>
+            </a:r>
+            <a:r>
+              <a:rPr kumimoji="0" lang="en-US" altLang="en-US" sz="1200" b="0" i="0" u="none" strike="noStrike" cap="none" normalizeH="0" baseline="0" dirty="0">
+                <a:ln>
+                  <a:noFill/>
+                </a:ln>
+                <a:solidFill>
+                  <a:srgbClr val="0000FF"/>
+                </a:solidFill>
+                <a:effectLst/>
+                <a:latin typeface="Lucida Console" panose="020B0609040504020204" pitchFamily="49" charset="0"/>
+              </a:rPr>
+              <a:t>(</a:t>
+            </a:r>
+          </a:p>
+          <a:p>
+            <a:pPr marL="0" marR="0" lvl="0" indent="0" algn="l" defTabSz="914400" rtl="0" eaLnBrk="0" fontAlgn="base" latinLnBrk="0" hangingPunct="0">
+              <a:lnSpc>
+                <a:spcPct val="100000"/>
+              </a:lnSpc>
+              <a:spcBef>
+                <a:spcPct val="0"/>
+              </a:spcBef>
+              <a:spcAft>
+                <a:spcPct val="0"/>
+              </a:spcAft>
+              <a:buClrTx/>
+              <a:buSzTx/>
+              <a:buFontTx/>
+              <a:buNone/>
+              <a:tabLst/>
+            </a:pPr>
+            <a:r>
+              <a:rPr lang="en-US" altLang="en-US" sz="1200" dirty="0">
+                <a:solidFill>
+                  <a:srgbClr val="0000FF"/>
+                </a:solidFill>
+                <a:latin typeface="Lucida Console" panose="020B0609040504020204" pitchFamily="49" charset="0"/>
+              </a:rPr>
+              <a:t>		</a:t>
+            </a:r>
+            <a:r>
+              <a:rPr kumimoji="0" lang="en-US" altLang="en-US" sz="1200" b="0" i="0" u="none" strike="noStrike" cap="none" normalizeH="0" baseline="0" dirty="0">
+                <a:ln>
+                  <a:noFill/>
+                </a:ln>
+                <a:solidFill>
+                  <a:srgbClr val="0000FF"/>
+                </a:solidFill>
+                <a:effectLst/>
+                <a:latin typeface="Lucida Console" panose="020B0609040504020204" pitchFamily="49" charset="0"/>
+              </a:rPr>
+              <a:t>"C:\\Users\\jorda\\Desktop\\projects\\bioinformatics-bootcamp\\class_6_2\\sce_mct1_03hr_metadata.txt", </a:t>
+            </a:r>
+          </a:p>
+          <a:p>
+            <a:pPr marL="0" marR="0" lvl="0" indent="0" algn="l" defTabSz="914400" rtl="0" eaLnBrk="0" fontAlgn="base" latinLnBrk="0" hangingPunct="0">
+              <a:lnSpc>
+                <a:spcPct val="100000"/>
+              </a:lnSpc>
+              <a:spcBef>
+                <a:spcPct val="0"/>
+              </a:spcBef>
+              <a:spcAft>
+                <a:spcPct val="0"/>
+              </a:spcAft>
+              <a:buClrTx/>
+              <a:buSzTx/>
+              <a:buFontTx/>
+              <a:buNone/>
+              <a:tabLst/>
+            </a:pPr>
+            <a:r>
+              <a:rPr lang="en-US" altLang="en-US" sz="1200" dirty="0">
+                <a:solidFill>
+                  <a:srgbClr val="0000FF"/>
+                </a:solidFill>
+                <a:latin typeface="Lucida Console" panose="020B0609040504020204" pitchFamily="49" charset="0"/>
+              </a:rPr>
+              <a:t>		</a:t>
+            </a:r>
+            <a:r>
+              <a:rPr kumimoji="0" lang="en-US" altLang="en-US" sz="1200" b="0" i="0" u="none" strike="noStrike" cap="none" normalizeH="0" baseline="0" dirty="0">
+                <a:ln>
+                  <a:noFill/>
+                </a:ln>
+                <a:solidFill>
+                  <a:srgbClr val="0000FF"/>
+                </a:solidFill>
+                <a:effectLst/>
+                <a:latin typeface="Lucida Console" panose="020B0609040504020204" pitchFamily="49" charset="0"/>
+              </a:rPr>
+              <a:t>warn = FALSE), </a:t>
+            </a:r>
+          </a:p>
+          <a:p>
+            <a:pPr marL="0" marR="0" lvl="0" indent="0" algn="l" defTabSz="914400" rtl="0" eaLnBrk="0" fontAlgn="base" latinLnBrk="0" hangingPunct="0">
+              <a:lnSpc>
+                <a:spcPct val="100000"/>
+              </a:lnSpc>
+              <a:spcBef>
+                <a:spcPct val="0"/>
+              </a:spcBef>
+              <a:spcAft>
+                <a:spcPct val="0"/>
+              </a:spcAft>
+              <a:buClrTx/>
+              <a:buSzTx/>
+              <a:buFontTx/>
+              <a:buNone/>
+              <a:tabLst/>
+            </a:pPr>
+            <a:r>
+              <a:rPr lang="en-US" altLang="en-US" sz="1200" dirty="0">
+                <a:solidFill>
+                  <a:srgbClr val="0000FF"/>
+                </a:solidFill>
+                <a:latin typeface="Lucida Console" panose="020B0609040504020204" pitchFamily="49" charset="0"/>
+              </a:rPr>
+              <a:t>	</a:t>
+            </a:r>
+            <a:r>
+              <a:rPr kumimoji="0" lang="en-US" altLang="en-US" sz="1200" b="0" i="0" u="none" strike="noStrike" cap="none" normalizeH="0" baseline="0" dirty="0">
+                <a:ln>
+                  <a:noFill/>
+                </a:ln>
+                <a:solidFill>
+                  <a:srgbClr val="0000FF"/>
+                </a:solidFill>
+                <a:effectLst/>
+                <a:latin typeface="Lucida Console" panose="020B0609040504020204" pitchFamily="49" charset="0"/>
+              </a:rPr>
+              <a:t>header = TRUE, </a:t>
+            </a:r>
+          </a:p>
+          <a:p>
+            <a:pPr marL="0" marR="0" lvl="0" indent="0" algn="l" defTabSz="914400" rtl="0" eaLnBrk="0" fontAlgn="base" latinLnBrk="0" hangingPunct="0">
+              <a:lnSpc>
+                <a:spcPct val="100000"/>
+              </a:lnSpc>
+              <a:spcBef>
+                <a:spcPct val="0"/>
+              </a:spcBef>
+              <a:spcAft>
+                <a:spcPct val="0"/>
+              </a:spcAft>
+              <a:buClrTx/>
+              <a:buSzTx/>
+              <a:buFontTx/>
+              <a:buNone/>
+              <a:tabLst/>
+            </a:pPr>
+            <a:r>
+              <a:rPr lang="en-US" altLang="en-US" sz="1200" dirty="0">
+                <a:solidFill>
+                  <a:srgbClr val="0000FF"/>
+                </a:solidFill>
+                <a:latin typeface="Lucida Console" panose="020B0609040504020204" pitchFamily="49" charset="0"/>
+              </a:rPr>
+              <a:t>	</a:t>
+            </a:r>
+            <a:r>
+              <a:rPr kumimoji="0" lang="en-US" altLang="en-US" sz="1200" b="0" i="0" u="none" strike="noStrike" cap="none" normalizeH="0" baseline="0" dirty="0" err="1">
+                <a:ln>
+                  <a:noFill/>
+                </a:ln>
+                <a:solidFill>
+                  <a:srgbClr val="0000FF"/>
+                </a:solidFill>
+                <a:effectLst/>
+                <a:latin typeface="Lucida Console" panose="020B0609040504020204" pitchFamily="49" charset="0"/>
+              </a:rPr>
+              <a:t>sep</a:t>
+            </a:r>
+            <a:r>
+              <a:rPr kumimoji="0" lang="en-US" altLang="en-US" sz="1200" b="0" i="0" u="none" strike="noStrike" cap="none" normalizeH="0" baseline="0" dirty="0">
+                <a:ln>
+                  <a:noFill/>
+                </a:ln>
+                <a:solidFill>
+                  <a:srgbClr val="0000FF"/>
+                </a:solidFill>
+                <a:effectLst/>
+                <a:latin typeface="Lucida Console" panose="020B0609040504020204" pitchFamily="49" charset="0"/>
+              </a:rPr>
+              <a:t> = '\t’)</a:t>
+            </a:r>
+          </a:p>
+          <a:p>
+            <a:pPr marL="0" marR="0" lvl="0" indent="0" algn="l" defTabSz="914400" rtl="0" eaLnBrk="0" fontAlgn="base" latinLnBrk="0" hangingPunct="0">
+              <a:lnSpc>
+                <a:spcPct val="100000"/>
+              </a:lnSpc>
+              <a:spcBef>
+                <a:spcPct val="0"/>
+              </a:spcBef>
+              <a:spcAft>
+                <a:spcPct val="0"/>
+              </a:spcAft>
+              <a:buClrTx/>
+              <a:buSzTx/>
+              <a:buFontTx/>
+              <a:buNone/>
+              <a:tabLst/>
+            </a:pPr>
+            <a:endParaRPr lang="en-US" altLang="en-US" sz="1200" dirty="0">
+              <a:solidFill>
+                <a:srgbClr val="0000FF"/>
+              </a:solidFill>
+              <a:latin typeface="Lucida Console" panose="020B0609040504020204" pitchFamily="49" charset="0"/>
+            </a:endParaRPr>
+          </a:p>
+          <a:p>
+            <a:pPr algn="l"/>
+            <a:r>
+              <a:rPr lang="en-US" sz="1200" b="0" i="0" u="none" strike="noStrike" baseline="0" dirty="0">
+                <a:solidFill>
+                  <a:srgbClr val="0000FF"/>
+                </a:solidFill>
+                <a:latin typeface="Lucida Console" panose="020B0609040504020204" pitchFamily="49" charset="0"/>
+              </a:rPr>
+              <a:t>&gt; </a:t>
+            </a:r>
+            <a:r>
+              <a:rPr lang="en-US" sz="1200" b="0" i="0" u="none" strike="noStrike" baseline="0" dirty="0" err="1">
+                <a:solidFill>
+                  <a:srgbClr val="0000FF"/>
+                </a:solidFill>
+                <a:latin typeface="Lucida Console" panose="020B0609040504020204" pitchFamily="49" charset="0"/>
+              </a:rPr>
+              <a:t>dds</a:t>
+            </a:r>
+            <a:r>
+              <a:rPr lang="en-US" sz="1200" b="0" i="0" u="none" strike="noStrike" baseline="0" dirty="0">
+                <a:solidFill>
+                  <a:srgbClr val="0000FF"/>
+                </a:solidFill>
+                <a:latin typeface="Lucida Console" panose="020B0609040504020204" pitchFamily="49" charset="0"/>
+              </a:rPr>
+              <a:t> &lt;- </a:t>
+            </a:r>
+            <a:r>
+              <a:rPr lang="en-US" sz="1200" b="0" i="0" u="none" strike="noStrike" baseline="0" dirty="0" err="1">
+                <a:solidFill>
+                  <a:srgbClr val="0000FF"/>
+                </a:solidFill>
+                <a:latin typeface="Lucida Console" panose="020B0609040504020204" pitchFamily="49" charset="0"/>
+              </a:rPr>
+              <a:t>DESeqDataSetFromMatrix</a:t>
+            </a:r>
+            <a:r>
+              <a:rPr lang="en-US" sz="1200" b="0" i="0" u="none" strike="noStrike" baseline="0" dirty="0">
+                <a:solidFill>
+                  <a:srgbClr val="0000FF"/>
+                </a:solidFill>
+                <a:latin typeface="Lucida Console" panose="020B0609040504020204" pitchFamily="49" charset="0"/>
+              </a:rPr>
+              <a:t>(</a:t>
+            </a:r>
+          </a:p>
+          <a:p>
+            <a:pPr algn="l"/>
+            <a:r>
+              <a:rPr lang="en-US" sz="1200" b="0" i="0" u="none" strike="noStrike" baseline="0" dirty="0">
+                <a:solidFill>
+                  <a:srgbClr val="0000FF"/>
+                </a:solidFill>
+                <a:latin typeface="Lucida Console" panose="020B0609040504020204" pitchFamily="49" charset="0"/>
+              </a:rPr>
+              <a:t>&gt; </a:t>
+            </a:r>
+            <a:r>
+              <a:rPr lang="en-US" sz="1200" b="0" i="0" u="none" strike="noStrike" baseline="0" dirty="0" err="1">
+                <a:solidFill>
+                  <a:srgbClr val="0000FF"/>
+                </a:solidFill>
+                <a:latin typeface="Lucida Console" panose="020B0609040504020204" pitchFamily="49" charset="0"/>
+              </a:rPr>
+              <a:t>countData</a:t>
+            </a:r>
+            <a:r>
+              <a:rPr lang="en-US" sz="1200" b="0" i="0" u="none" strike="noStrike" baseline="0" dirty="0">
+                <a:solidFill>
+                  <a:srgbClr val="0000FF"/>
+                </a:solidFill>
+                <a:latin typeface="Lucida Console" panose="020B0609040504020204" pitchFamily="49" charset="0"/>
+              </a:rPr>
+              <a:t> = </a:t>
+            </a:r>
+            <a:r>
+              <a:rPr lang="en-US" sz="1200" b="0" i="0" u="none" strike="noStrike" baseline="0" dirty="0" err="1">
+                <a:solidFill>
+                  <a:srgbClr val="0000FF"/>
+                </a:solidFill>
+                <a:latin typeface="Lucida Console" panose="020B0609040504020204" pitchFamily="49" charset="0"/>
+              </a:rPr>
+              <a:t>count_table</a:t>
+            </a:r>
+            <a:r>
+              <a:rPr lang="en-US" sz="1200" b="0" i="0" u="none" strike="noStrike" baseline="0" dirty="0">
+                <a:solidFill>
+                  <a:srgbClr val="0000FF"/>
+                </a:solidFill>
+                <a:latin typeface="Lucida Console" panose="020B0609040504020204" pitchFamily="49" charset="0"/>
+              </a:rPr>
+              <a:t>,</a:t>
+            </a:r>
+          </a:p>
+          <a:p>
+            <a:pPr algn="l"/>
+            <a:r>
+              <a:rPr lang="en-US" sz="1200" b="0" i="0" u="none" strike="noStrike" baseline="0" dirty="0">
+                <a:solidFill>
+                  <a:srgbClr val="0000FF"/>
+                </a:solidFill>
+                <a:latin typeface="Lucida Console" panose="020B0609040504020204" pitchFamily="49" charset="0"/>
+              </a:rPr>
+              <a:t>&gt; </a:t>
+            </a:r>
+            <a:r>
+              <a:rPr lang="en-US" sz="1200" b="0" i="0" u="none" strike="noStrike" baseline="0" dirty="0" err="1">
+                <a:solidFill>
+                  <a:srgbClr val="0000FF"/>
+                </a:solidFill>
+                <a:latin typeface="Lucida Console" panose="020B0609040504020204" pitchFamily="49" charset="0"/>
+              </a:rPr>
+              <a:t>colData</a:t>
+            </a:r>
+            <a:r>
+              <a:rPr lang="en-US" sz="1200" b="0" i="0" u="none" strike="noStrike" baseline="0" dirty="0">
+                <a:solidFill>
+                  <a:srgbClr val="0000FF"/>
+                </a:solidFill>
+                <a:latin typeface="Lucida Console" panose="020B0609040504020204" pitchFamily="49" charset="0"/>
+              </a:rPr>
+              <a:t> = </a:t>
+            </a:r>
+            <a:r>
+              <a:rPr lang="en-US" sz="1200" b="0" i="0" u="none" strike="noStrike" baseline="0" dirty="0" err="1">
+                <a:solidFill>
+                  <a:srgbClr val="0000FF"/>
+                </a:solidFill>
+                <a:latin typeface="Lucida Console" panose="020B0609040504020204" pitchFamily="49" charset="0"/>
+              </a:rPr>
+              <a:t>sample_table</a:t>
+            </a:r>
+            <a:r>
+              <a:rPr lang="en-US" sz="1200" b="0" i="0" u="none" strike="noStrike" baseline="0" dirty="0">
+                <a:solidFill>
+                  <a:srgbClr val="0000FF"/>
+                </a:solidFill>
+                <a:latin typeface="Lucida Console" panose="020B0609040504020204" pitchFamily="49" charset="0"/>
+              </a:rPr>
+              <a:t>,</a:t>
+            </a:r>
+          </a:p>
+          <a:p>
+            <a:pPr algn="l"/>
+            <a:r>
+              <a:rPr lang="en-US" sz="1200" b="0" i="0" u="none" strike="noStrike" baseline="0" dirty="0">
+                <a:solidFill>
+                  <a:srgbClr val="0000FF"/>
+                </a:solidFill>
+                <a:latin typeface="Lucida Console" panose="020B0609040504020204" pitchFamily="49" charset="0"/>
+              </a:rPr>
+              <a:t>&gt; design = ~Genotype)</a:t>
+            </a:r>
+          </a:p>
+          <a:p>
+            <a:pPr algn="l"/>
+            <a:r>
+              <a:rPr lang="en-US" sz="1200" b="0" i="0" u="none" strike="noStrike" baseline="0" dirty="0">
+                <a:solidFill>
+                  <a:srgbClr val="0000FF"/>
+                </a:solidFill>
+                <a:latin typeface="Lucida Console" panose="020B0609040504020204" pitchFamily="49" charset="0"/>
+              </a:rPr>
+              <a:t>&gt; </a:t>
+            </a:r>
+            <a:r>
+              <a:rPr lang="en-US" sz="1200" b="0" i="0" u="none" strike="noStrike" baseline="0" dirty="0" err="1">
+                <a:solidFill>
+                  <a:srgbClr val="0000FF"/>
+                </a:solidFill>
+                <a:latin typeface="Lucida Console" panose="020B0609040504020204" pitchFamily="49" charset="0"/>
+              </a:rPr>
+              <a:t>dds</a:t>
+            </a:r>
+            <a:r>
+              <a:rPr lang="en-US" sz="1200" b="0" i="0" u="none" strike="noStrike" baseline="0" dirty="0">
+                <a:solidFill>
+                  <a:srgbClr val="0000FF"/>
+                </a:solidFill>
+                <a:latin typeface="Lucida Console" panose="020B0609040504020204" pitchFamily="49" charset="0"/>
+              </a:rPr>
+              <a:t> &lt;- </a:t>
+            </a:r>
+            <a:r>
+              <a:rPr lang="en-US" sz="1200" b="0" i="0" u="none" strike="noStrike" baseline="0" dirty="0" err="1">
+                <a:solidFill>
+                  <a:srgbClr val="0000FF"/>
+                </a:solidFill>
+                <a:latin typeface="Lucida Console" panose="020B0609040504020204" pitchFamily="49" charset="0"/>
+              </a:rPr>
+              <a:t>DESeq</a:t>
+            </a:r>
+            <a:r>
+              <a:rPr lang="en-US" sz="1200" b="0" i="0" u="none" strike="noStrike" baseline="0" dirty="0">
+                <a:solidFill>
+                  <a:srgbClr val="0000FF"/>
+                </a:solidFill>
+                <a:latin typeface="Lucida Console" panose="020B0609040504020204" pitchFamily="49" charset="0"/>
+              </a:rPr>
+              <a:t>(</a:t>
+            </a:r>
+            <a:r>
+              <a:rPr lang="en-US" sz="1200" b="0" i="0" u="none" strike="noStrike" baseline="0" dirty="0" err="1">
+                <a:solidFill>
+                  <a:srgbClr val="0000FF"/>
+                </a:solidFill>
+                <a:latin typeface="Lucida Console" panose="020B0609040504020204" pitchFamily="49" charset="0"/>
+              </a:rPr>
+              <a:t>dds</a:t>
+            </a:r>
+            <a:r>
+              <a:rPr lang="en-US" sz="1200" b="0" i="0" u="none" strike="noStrike" baseline="0" dirty="0">
+                <a:solidFill>
+                  <a:srgbClr val="0000FF"/>
+                </a:solidFill>
+                <a:latin typeface="Lucida Console" panose="020B0609040504020204" pitchFamily="49" charset="0"/>
+              </a:rPr>
+              <a:t>)</a:t>
+            </a:r>
+          </a:p>
+          <a:p>
+            <a:pPr algn="l"/>
+            <a:r>
+              <a:rPr lang="en-US" sz="1200" b="0" i="0" u="none" strike="noStrike" baseline="0" dirty="0">
+                <a:solidFill>
+                  <a:srgbClr val="0000FF"/>
+                </a:solidFill>
+                <a:latin typeface="Lucida Console" panose="020B0609040504020204" pitchFamily="49" charset="0"/>
+              </a:rPr>
+              <a:t>&gt; res &lt;- results(</a:t>
+            </a:r>
+            <a:r>
+              <a:rPr lang="en-US" sz="1200" b="0" i="0" u="none" strike="noStrike" baseline="0" dirty="0" err="1">
+                <a:solidFill>
+                  <a:srgbClr val="0000FF"/>
+                </a:solidFill>
+                <a:latin typeface="Lucida Console" panose="020B0609040504020204" pitchFamily="49" charset="0"/>
+              </a:rPr>
+              <a:t>dds</a:t>
+            </a:r>
+            <a:r>
+              <a:rPr lang="en-US" sz="1200" b="0" i="0" u="none" strike="noStrike" baseline="0" dirty="0">
+                <a:solidFill>
+                  <a:srgbClr val="0000FF"/>
+                </a:solidFill>
+                <a:latin typeface="Lucida Console" panose="020B0609040504020204" pitchFamily="49" charset="0"/>
+              </a:rPr>
+              <a:t>)</a:t>
+            </a:r>
+          </a:p>
+          <a:p>
+            <a:pPr algn="l"/>
+            <a:r>
+              <a:rPr lang="en-US" sz="1200" b="0" i="0" u="none" strike="noStrike" baseline="0" dirty="0">
+                <a:solidFill>
+                  <a:srgbClr val="0000FF"/>
+                </a:solidFill>
+                <a:latin typeface="Lucida Console" panose="020B0609040504020204" pitchFamily="49" charset="0"/>
+              </a:rPr>
+              <a:t>&gt; </a:t>
+            </a:r>
+            <a:r>
+              <a:rPr lang="en-US" sz="1200" b="0" i="0" u="none" strike="noStrike" baseline="0" dirty="0" err="1">
+                <a:solidFill>
+                  <a:srgbClr val="0000FF"/>
+                </a:solidFill>
+                <a:latin typeface="Lucida Console" panose="020B0609040504020204" pitchFamily="49" charset="0"/>
+              </a:rPr>
+              <a:t>resOrdered</a:t>
+            </a:r>
+            <a:r>
+              <a:rPr lang="en-US" sz="1200" b="0" i="0" u="none" strike="noStrike" baseline="0" dirty="0">
+                <a:solidFill>
+                  <a:srgbClr val="0000FF"/>
+                </a:solidFill>
+                <a:latin typeface="Lucida Console" panose="020B0609040504020204" pitchFamily="49" charset="0"/>
+              </a:rPr>
+              <a:t> &lt;- res[order(</a:t>
+            </a:r>
+            <a:r>
+              <a:rPr lang="en-US" sz="1200" b="0" i="0" u="none" strike="noStrike" baseline="0" dirty="0" err="1">
+                <a:solidFill>
+                  <a:srgbClr val="0000FF"/>
+                </a:solidFill>
+                <a:latin typeface="Lucida Console" panose="020B0609040504020204" pitchFamily="49" charset="0"/>
+              </a:rPr>
+              <a:t>res$padj</a:t>
+            </a:r>
+            <a:r>
+              <a:rPr lang="en-US" sz="1200" b="0" i="0" u="none" strike="noStrike" baseline="0" dirty="0">
+                <a:solidFill>
+                  <a:srgbClr val="0000FF"/>
+                </a:solidFill>
+                <a:latin typeface="Lucida Console" panose="020B0609040504020204" pitchFamily="49" charset="0"/>
+              </a:rPr>
+              <a:t>),]</a:t>
+            </a:r>
+            <a:endParaRPr kumimoji="0" lang="en-US" altLang="en-US" sz="1200" b="0" i="0" u="none" strike="noStrike" cap="none" normalizeH="0" baseline="0" dirty="0">
+              <a:ln>
+                <a:noFill/>
+              </a:ln>
+              <a:solidFill>
+                <a:srgbClr val="0000FF"/>
+              </a:solidFill>
+              <a:effectLst/>
+              <a:latin typeface="Lucida Console" panose="020B0609040504020204" pitchFamily="49" charset="0"/>
+            </a:endParaRPr>
+          </a:p>
+        </p:txBody>
+      </p:sp>
+    </p:spTree>
+    <p:extLst>
+      <p:ext uri="{BB962C8B-B14F-4D97-AF65-F5344CB8AC3E}">
+        <p14:creationId xmlns:p14="http://schemas.microsoft.com/office/powerpoint/2010/main" val="2395959397"/>
+      </p:ext>
+    </p:extLst>
+  </p:cSld>
+  <p:clrMapOvr>
+    <a:masterClrMapping/>
+  </p:clrMapOvr>
+</p:sld>
+</file>
+
+<file path=ppt/slides/slide5.xml><?xml version="1.0" encoding="utf-8"?>
+<p:sld xmlns:a="http://schemas.openxmlformats.org/drawingml/2006/main" xmlns:r="http://schemas.openxmlformats.org/officeDocument/2006/relationships" xmlns:p="http://schemas.openxmlformats.org/presentationml/2006/main">
+  <p:cSld>
+    <p:spTree>
+      <p:nvGrpSpPr>
+        <p:cNvPr id="1" name=""/>
+        <p:cNvGrpSpPr/>
+        <p:nvPr/>
+      </p:nvGrpSpPr>
+      <p:grpSpPr>
+        <a:xfrm>
+          <a:off x="0" y="0"/>
+          <a:ext cx="0" cy="0"/>
+          <a:chOff x="0" y="0"/>
+          <a:chExt cx="0" cy="0"/>
+        </a:xfrm>
+      </p:grpSpPr>
+      <p:sp>
+        <p:nvSpPr>
+          <p:cNvPr id="2" name="Title 1">
+            <a:extLst>
+              <a:ext uri="{FF2B5EF4-FFF2-40B4-BE49-F238E27FC236}">
+                <a16:creationId xmlns:a16="http://schemas.microsoft.com/office/drawing/2014/main" id="{F925FA07-5CFE-4289-A590-3BEBD4097E92}"/>
+              </a:ext>
+            </a:extLst>
+          </p:cNvPr>
+          <p:cNvSpPr>
+            <a:spLocks noGrp="1"/>
+          </p:cNvSpPr>
+          <p:nvPr>
+            <p:ph type="title"/>
+          </p:nvPr>
+        </p:nvSpPr>
+        <p:spPr/>
+        <p:txBody>
+          <a:bodyPr/>
+          <a:lstStyle/>
+          <a:p>
+            <a:r>
+              <a:rPr lang="en-US" dirty="0"/>
+              <a:t>Volcano Plots</a:t>
+            </a:r>
+          </a:p>
+        </p:txBody>
+      </p:sp>
+      <p:sp>
+        <p:nvSpPr>
+          <p:cNvPr id="5" name="Rectangle 2">
+            <a:extLst>
+              <a:ext uri="{FF2B5EF4-FFF2-40B4-BE49-F238E27FC236}">
+                <a16:creationId xmlns:a16="http://schemas.microsoft.com/office/drawing/2014/main" id="{FC89449D-D28F-4B22-9851-31BDC33ABD82}"/>
+              </a:ext>
+            </a:extLst>
+          </p:cNvPr>
+          <p:cNvSpPr>
+            <a:spLocks noChangeArrowheads="1"/>
+          </p:cNvSpPr>
+          <p:nvPr/>
+        </p:nvSpPr>
+        <p:spPr bwMode="auto">
+          <a:xfrm>
+            <a:off x="926431" y="2128773"/>
+            <a:ext cx="4177426" cy="1661993"/>
+          </a:xfrm>
+          <a:prstGeom prst="rect">
+            <a:avLst/>
+          </a:prstGeom>
+          <a:solidFill>
+            <a:srgbClr val="FFFFFF"/>
+          </a:solidFill>
+          <a:ln>
+            <a:noFill/>
+          </a:ln>
+          <a:effectLst/>
+          <a:extLst>
+            <a:ext uri="{91240B29-F687-4F45-9708-019B960494DF}">
+              <a14:hiddenLine xmlns:a14="http://schemas.microsoft.com/office/drawing/2010/main" w="9525">
+                <a:solidFill>
+                  <a:schemeClr val="tx1"/>
+                </a:solidFill>
+                <a:miter lim="800000"/>
+                <a:headEnd/>
+                <a:tailEnd/>
+              </a14:hiddenLine>
+            </a:ext>
+            <a:ext uri="{AF507438-7753-43E0-B8FC-AC1667EBCBE1}">
+              <a14:hiddenEffects xmlns:a14="http://schemas.microsoft.com/office/drawing/2010/main">
+                <a:effectLst>
+                  <a:outerShdw dist="35921" dir="2700000" algn="ctr" rotWithShape="0">
+                    <a:schemeClr val="bg2"/>
+                  </a:outerShdw>
+                </a:effectLst>
+              </a14:hiddenEffects>
+            </a:ext>
+          </a:extLst>
+        </p:spPr>
+        <p:txBody>
+          <a:bodyPr vert="horz" wrap="none" lIns="0" tIns="0" rIns="0" bIns="0" numCol="1" anchor="ctr" anchorCtr="0" compatLnSpc="1">
+            <a:prstTxWarp prst="textNoShape">
+              <a:avLst/>
+            </a:prstTxWarp>
+            <a:spAutoFit/>
+          </a:bodyPr>
+          <a:lstStyle/>
+          <a:p>
+            <a:pPr eaLnBrk="0" fontAlgn="base" hangingPunct="0">
+              <a:spcBef>
+                <a:spcPct val="0"/>
+              </a:spcBef>
+              <a:spcAft>
+                <a:spcPct val="0"/>
+              </a:spcAft>
+            </a:pPr>
+            <a:r>
+              <a:rPr kumimoji="0" lang="en-US" altLang="en-US" sz="1200" b="0" i="0" u="none" strike="noStrike" cap="none" normalizeH="0" baseline="0" dirty="0">
+                <a:ln>
+                  <a:noFill/>
+                </a:ln>
+                <a:solidFill>
+                  <a:srgbClr val="0000FF"/>
+                </a:solidFill>
+                <a:effectLst/>
+                <a:latin typeface="Lucida Console" panose="020B0609040504020204" pitchFamily="49" charset="0"/>
+              </a:rPr>
+              <a:t>&gt; </a:t>
+            </a:r>
+            <a:r>
+              <a:rPr lang="en-US" sz="1200" dirty="0">
+                <a:solidFill>
+                  <a:srgbClr val="0000FF"/>
+                </a:solidFill>
+                <a:latin typeface="Lucida Console" panose="020B0609040504020204" pitchFamily="49" charset="0"/>
+              </a:rPr>
+              <a:t>library(</a:t>
+            </a:r>
+            <a:r>
+              <a:rPr lang="en-US" sz="1200" dirty="0" err="1">
+                <a:solidFill>
+                  <a:srgbClr val="0000FF"/>
+                </a:solidFill>
+                <a:latin typeface="Lucida Console" panose="020B0609040504020204" pitchFamily="49" charset="0"/>
+              </a:rPr>
+              <a:t>EnhancedVolcano</a:t>
+            </a:r>
+            <a:r>
+              <a:rPr lang="en-US" sz="1200" dirty="0">
+                <a:solidFill>
+                  <a:srgbClr val="0000FF"/>
+                </a:solidFill>
+                <a:latin typeface="Lucida Console" panose="020B0609040504020204" pitchFamily="49" charset="0"/>
+              </a:rPr>
+              <a:t>)</a:t>
+            </a:r>
+          </a:p>
+          <a:p>
+            <a:pPr marL="0" marR="0" lvl="0" indent="0" algn="l" defTabSz="914400" rtl="0" eaLnBrk="0" fontAlgn="base" latinLnBrk="0" hangingPunct="0">
+              <a:lnSpc>
+                <a:spcPct val="100000"/>
+              </a:lnSpc>
+              <a:spcBef>
+                <a:spcPct val="0"/>
+              </a:spcBef>
+              <a:spcAft>
+                <a:spcPct val="0"/>
+              </a:spcAft>
+              <a:buClrTx/>
+              <a:buSzTx/>
+              <a:buFontTx/>
+              <a:buNone/>
+              <a:tabLst/>
+            </a:pPr>
+            <a:r>
+              <a:rPr kumimoji="0" lang="en-US" altLang="en-US" sz="1200" b="0" i="0" u="none" strike="noStrike" cap="none" normalizeH="0" baseline="0" dirty="0">
+                <a:ln>
+                  <a:noFill/>
+                </a:ln>
+                <a:solidFill>
+                  <a:srgbClr val="0000FF"/>
+                </a:solidFill>
+                <a:effectLst/>
+                <a:latin typeface="Lucida Console" panose="020B0609040504020204" pitchFamily="49" charset="0"/>
+              </a:rPr>
+              <a:t>&gt; </a:t>
+            </a:r>
+            <a:r>
+              <a:rPr kumimoji="0" lang="en-US" altLang="en-US" sz="1200" b="0" i="0" u="none" strike="noStrike" cap="none" normalizeH="0" baseline="0" dirty="0" err="1">
+                <a:ln>
+                  <a:noFill/>
+                </a:ln>
+                <a:solidFill>
+                  <a:srgbClr val="0000FF"/>
+                </a:solidFill>
+                <a:effectLst/>
+                <a:latin typeface="Lucida Console" panose="020B0609040504020204" pitchFamily="49" charset="0"/>
+              </a:rPr>
+              <a:t>EnhancedVolcano</a:t>
+            </a:r>
+            <a:r>
+              <a:rPr kumimoji="0" lang="en-US" altLang="en-US" sz="1200" b="0" i="0" u="none" strike="noStrike" cap="none" normalizeH="0" baseline="0" dirty="0">
+                <a:ln>
+                  <a:noFill/>
+                </a:ln>
+                <a:solidFill>
+                  <a:srgbClr val="0000FF"/>
+                </a:solidFill>
+                <a:effectLst/>
+                <a:latin typeface="Lucida Console" panose="020B0609040504020204" pitchFamily="49" charset="0"/>
+              </a:rPr>
+              <a:t>(</a:t>
+            </a:r>
+          </a:p>
+          <a:p>
+            <a:pPr marL="0" marR="0" lvl="0" indent="0" algn="l" defTabSz="914400" rtl="0" eaLnBrk="0" fontAlgn="base" latinLnBrk="0" hangingPunct="0">
+              <a:lnSpc>
+                <a:spcPct val="100000"/>
+              </a:lnSpc>
+              <a:spcBef>
+                <a:spcPct val="0"/>
+              </a:spcBef>
+              <a:spcAft>
+                <a:spcPct val="0"/>
+              </a:spcAft>
+              <a:buClrTx/>
+              <a:buSzTx/>
+              <a:buFontTx/>
+              <a:buNone/>
+              <a:tabLst/>
+            </a:pPr>
+            <a:r>
+              <a:rPr kumimoji="0" lang="en-US" altLang="en-US" sz="1200" b="0" i="0" u="none" strike="noStrike" cap="none" normalizeH="0" baseline="0" dirty="0">
+                <a:ln>
+                  <a:noFill/>
+                </a:ln>
+                <a:solidFill>
+                  <a:srgbClr val="0000FF"/>
+                </a:solidFill>
+                <a:effectLst/>
+                <a:latin typeface="Lucida Console" panose="020B0609040504020204" pitchFamily="49" charset="0"/>
+              </a:rPr>
+              <a:t>	</a:t>
+            </a:r>
+            <a:r>
+              <a:rPr kumimoji="0" lang="en-US" altLang="en-US" sz="1200" b="0" i="0" u="none" strike="noStrike" cap="none" normalizeH="0" baseline="0" dirty="0" err="1">
+                <a:ln>
+                  <a:noFill/>
+                </a:ln>
+                <a:solidFill>
+                  <a:srgbClr val="0000FF"/>
+                </a:solidFill>
+                <a:effectLst/>
+                <a:latin typeface="Lucida Console" panose="020B0609040504020204" pitchFamily="49" charset="0"/>
+              </a:rPr>
+              <a:t>resOrdered</a:t>
+            </a:r>
+            <a:r>
+              <a:rPr kumimoji="0" lang="en-US" altLang="en-US" sz="1200" b="0" i="0" u="none" strike="noStrike" cap="none" normalizeH="0" baseline="0" dirty="0">
+                <a:ln>
+                  <a:noFill/>
+                </a:ln>
+                <a:solidFill>
+                  <a:srgbClr val="0000FF"/>
+                </a:solidFill>
+                <a:effectLst/>
+                <a:latin typeface="Lucida Console" panose="020B0609040504020204" pitchFamily="49" charset="0"/>
+              </a:rPr>
+              <a:t>, </a:t>
+            </a:r>
+          </a:p>
+          <a:p>
+            <a:pPr marL="0" marR="0" lvl="0" indent="0" algn="l" defTabSz="914400" rtl="0" eaLnBrk="0" fontAlgn="base" latinLnBrk="0" hangingPunct="0">
+              <a:lnSpc>
+                <a:spcPct val="100000"/>
+              </a:lnSpc>
+              <a:spcBef>
+                <a:spcPct val="0"/>
+              </a:spcBef>
+              <a:spcAft>
+                <a:spcPct val="0"/>
+              </a:spcAft>
+              <a:buClrTx/>
+              <a:buSzTx/>
+              <a:buFontTx/>
+              <a:buNone/>
+              <a:tabLst/>
+            </a:pPr>
+            <a:r>
+              <a:rPr lang="en-US" altLang="en-US" sz="1200" dirty="0">
+                <a:solidFill>
+                  <a:srgbClr val="0000FF"/>
+                </a:solidFill>
+                <a:latin typeface="Lucida Console" panose="020B0609040504020204" pitchFamily="49" charset="0"/>
+              </a:rPr>
+              <a:t>	</a:t>
+            </a:r>
+            <a:r>
+              <a:rPr kumimoji="0" lang="en-US" altLang="en-US" sz="1200" b="0" i="0" u="none" strike="noStrike" cap="none" normalizeH="0" baseline="0" dirty="0">
+                <a:ln>
+                  <a:noFill/>
+                </a:ln>
+                <a:solidFill>
+                  <a:srgbClr val="0000FF"/>
+                </a:solidFill>
+                <a:effectLst/>
+                <a:latin typeface="Lucida Console" panose="020B0609040504020204" pitchFamily="49" charset="0"/>
+              </a:rPr>
+              <a:t>lab = </a:t>
+            </a:r>
+            <a:r>
+              <a:rPr kumimoji="0" lang="en-US" altLang="en-US" sz="1200" b="0" i="0" u="none" strike="noStrike" cap="none" normalizeH="0" baseline="0" dirty="0" err="1">
+                <a:ln>
+                  <a:noFill/>
+                </a:ln>
+                <a:solidFill>
+                  <a:srgbClr val="0000FF"/>
+                </a:solidFill>
+                <a:effectLst/>
+                <a:latin typeface="Lucida Console" panose="020B0609040504020204" pitchFamily="49" charset="0"/>
+              </a:rPr>
+              <a:t>rownames</a:t>
+            </a:r>
+            <a:r>
+              <a:rPr kumimoji="0" lang="en-US" altLang="en-US" sz="1200" b="0" i="0" u="none" strike="noStrike" cap="none" normalizeH="0" baseline="0" dirty="0">
+                <a:ln>
+                  <a:noFill/>
+                </a:ln>
+                <a:solidFill>
+                  <a:srgbClr val="0000FF"/>
+                </a:solidFill>
+                <a:effectLst/>
+                <a:latin typeface="Lucida Console" panose="020B0609040504020204" pitchFamily="49" charset="0"/>
+              </a:rPr>
+              <a:t>(</a:t>
+            </a:r>
+            <a:r>
+              <a:rPr kumimoji="0" lang="en-US" altLang="en-US" sz="1200" b="0" i="0" u="none" strike="noStrike" cap="none" normalizeH="0" baseline="0" dirty="0" err="1">
+                <a:ln>
+                  <a:noFill/>
+                </a:ln>
+                <a:solidFill>
+                  <a:srgbClr val="0000FF"/>
+                </a:solidFill>
+                <a:effectLst/>
+                <a:latin typeface="Lucida Console" panose="020B0609040504020204" pitchFamily="49" charset="0"/>
+              </a:rPr>
+              <a:t>resOrdered</a:t>
+            </a:r>
+            <a:r>
+              <a:rPr kumimoji="0" lang="en-US" altLang="en-US" sz="1200" b="0" i="0" u="none" strike="noStrike" cap="none" normalizeH="0" baseline="0" dirty="0">
+                <a:ln>
+                  <a:noFill/>
+                </a:ln>
+                <a:solidFill>
+                  <a:srgbClr val="0000FF"/>
+                </a:solidFill>
+                <a:effectLst/>
+                <a:latin typeface="Lucida Console" panose="020B0609040504020204" pitchFamily="49" charset="0"/>
+              </a:rPr>
+              <a:t>),</a:t>
+            </a:r>
+          </a:p>
+          <a:p>
+            <a:pPr marL="0" marR="0" lvl="0" indent="0" algn="l" defTabSz="914400" rtl="0" eaLnBrk="0" fontAlgn="base" latinLnBrk="0" hangingPunct="0">
+              <a:lnSpc>
+                <a:spcPct val="100000"/>
+              </a:lnSpc>
+              <a:spcBef>
+                <a:spcPct val="0"/>
+              </a:spcBef>
+              <a:spcAft>
+                <a:spcPct val="0"/>
+              </a:spcAft>
+              <a:buClrTx/>
+              <a:buSzTx/>
+              <a:buFontTx/>
+              <a:buNone/>
+              <a:tabLst/>
+            </a:pPr>
+            <a:r>
+              <a:rPr lang="en-US" altLang="en-US" sz="1200" dirty="0">
+                <a:solidFill>
+                  <a:srgbClr val="0000FF"/>
+                </a:solidFill>
+                <a:latin typeface="Lucida Console" panose="020B0609040504020204" pitchFamily="49" charset="0"/>
+              </a:rPr>
+              <a:t>	</a:t>
+            </a:r>
+            <a:r>
+              <a:rPr kumimoji="0" lang="en-US" altLang="en-US" sz="1200" b="0" i="0" u="none" strike="noStrike" cap="none" normalizeH="0" baseline="0" dirty="0">
+                <a:ln>
+                  <a:noFill/>
+                </a:ln>
+                <a:solidFill>
+                  <a:srgbClr val="0000FF"/>
+                </a:solidFill>
+                <a:effectLst/>
+                <a:latin typeface="Lucida Console" panose="020B0609040504020204" pitchFamily="49" charset="0"/>
+              </a:rPr>
+              <a:t>x = 'log2FoldChange’, </a:t>
+            </a:r>
+          </a:p>
+          <a:p>
+            <a:pPr marL="0" marR="0" lvl="0" indent="0" algn="l" defTabSz="914400" rtl="0" eaLnBrk="0" fontAlgn="base" latinLnBrk="0" hangingPunct="0">
+              <a:lnSpc>
+                <a:spcPct val="100000"/>
+              </a:lnSpc>
+              <a:spcBef>
+                <a:spcPct val="0"/>
+              </a:spcBef>
+              <a:spcAft>
+                <a:spcPct val="0"/>
+              </a:spcAft>
+              <a:buClrTx/>
+              <a:buSzTx/>
+              <a:buFontTx/>
+              <a:buNone/>
+              <a:tabLst/>
+            </a:pPr>
+            <a:r>
+              <a:rPr lang="en-US" altLang="en-US" sz="1200" dirty="0">
+                <a:solidFill>
+                  <a:srgbClr val="0000FF"/>
+                </a:solidFill>
+                <a:latin typeface="Lucida Console" panose="020B0609040504020204" pitchFamily="49" charset="0"/>
+              </a:rPr>
+              <a:t>	</a:t>
+            </a:r>
+            <a:r>
+              <a:rPr kumimoji="0" lang="en-US" altLang="en-US" sz="1200" b="0" i="0" u="none" strike="noStrike" cap="none" normalizeH="0" baseline="0" dirty="0">
+                <a:ln>
+                  <a:noFill/>
+                </a:ln>
+                <a:solidFill>
+                  <a:srgbClr val="0000FF"/>
+                </a:solidFill>
+                <a:effectLst/>
+                <a:latin typeface="Lucida Console" panose="020B0609040504020204" pitchFamily="49" charset="0"/>
+              </a:rPr>
+              <a:t>y = '</a:t>
+            </a:r>
+            <a:r>
+              <a:rPr kumimoji="0" lang="en-US" altLang="en-US" sz="1200" b="0" i="0" u="none" strike="noStrike" cap="none" normalizeH="0" baseline="0" dirty="0" err="1">
+                <a:ln>
+                  <a:noFill/>
+                </a:ln>
+                <a:solidFill>
+                  <a:srgbClr val="0000FF"/>
+                </a:solidFill>
+                <a:effectLst/>
+                <a:latin typeface="Lucida Console" panose="020B0609040504020204" pitchFamily="49" charset="0"/>
+              </a:rPr>
+              <a:t>padj</a:t>
+            </a:r>
+            <a:r>
+              <a:rPr kumimoji="0" lang="en-US" altLang="en-US" sz="1200" b="0" i="0" u="none" strike="noStrike" cap="none" normalizeH="0" baseline="0" dirty="0">
+                <a:ln>
+                  <a:noFill/>
+                </a:ln>
+                <a:solidFill>
+                  <a:srgbClr val="0000FF"/>
+                </a:solidFill>
+                <a:effectLst/>
+                <a:latin typeface="Lucida Console" panose="020B0609040504020204" pitchFamily="49" charset="0"/>
+              </a:rPr>
+              <a:t>’, </a:t>
+            </a:r>
+          </a:p>
+          <a:p>
+            <a:pPr marL="0" marR="0" lvl="0" indent="0" algn="l" defTabSz="914400" rtl="0" eaLnBrk="0" fontAlgn="base" latinLnBrk="0" hangingPunct="0">
+              <a:lnSpc>
+                <a:spcPct val="100000"/>
+              </a:lnSpc>
+              <a:spcBef>
+                <a:spcPct val="0"/>
+              </a:spcBef>
+              <a:spcAft>
+                <a:spcPct val="0"/>
+              </a:spcAft>
+              <a:buClrTx/>
+              <a:buSzTx/>
+              <a:buFontTx/>
+              <a:buNone/>
+              <a:tabLst/>
+            </a:pPr>
+            <a:r>
+              <a:rPr lang="en-US" altLang="en-US" sz="1200" dirty="0">
+                <a:solidFill>
+                  <a:srgbClr val="0000FF"/>
+                </a:solidFill>
+                <a:latin typeface="Lucida Console" panose="020B0609040504020204" pitchFamily="49" charset="0"/>
+              </a:rPr>
+              <a:t>	</a:t>
+            </a:r>
+            <a:r>
+              <a:rPr kumimoji="0" lang="en-US" altLang="en-US" sz="1200" b="0" i="0" u="none" strike="noStrike" cap="none" normalizeH="0" baseline="0" dirty="0">
+                <a:ln>
+                  <a:noFill/>
+                </a:ln>
+                <a:solidFill>
+                  <a:srgbClr val="0000FF"/>
+                </a:solidFill>
+                <a:effectLst/>
+                <a:latin typeface="Lucida Console" panose="020B0609040504020204" pitchFamily="49" charset="0"/>
+              </a:rPr>
+              <a:t>title = 'mct1 deletion versus WT’, </a:t>
+            </a:r>
+          </a:p>
+          <a:p>
+            <a:pPr marL="0" marR="0" lvl="0" indent="0" algn="l" defTabSz="914400" rtl="0" eaLnBrk="0" fontAlgn="base" latinLnBrk="0" hangingPunct="0">
+              <a:lnSpc>
+                <a:spcPct val="100000"/>
+              </a:lnSpc>
+              <a:spcBef>
+                <a:spcPct val="0"/>
+              </a:spcBef>
+              <a:spcAft>
+                <a:spcPct val="0"/>
+              </a:spcAft>
+              <a:buClrTx/>
+              <a:buSzTx/>
+              <a:buFontTx/>
+              <a:buNone/>
+              <a:tabLst/>
+            </a:pPr>
+            <a:r>
+              <a:rPr lang="en-US" altLang="en-US" sz="1200" dirty="0">
+                <a:solidFill>
+                  <a:srgbClr val="0000FF"/>
+                </a:solidFill>
+                <a:latin typeface="Lucida Console" panose="020B0609040504020204" pitchFamily="49" charset="0"/>
+              </a:rPr>
+              <a:t>	</a:t>
+            </a:r>
+            <a:r>
+              <a:rPr kumimoji="0" lang="en-US" altLang="en-US" sz="1200" b="0" i="0" u="none" strike="noStrike" cap="none" normalizeH="0" baseline="0" dirty="0" err="1">
+                <a:ln>
+                  <a:noFill/>
+                </a:ln>
+                <a:solidFill>
+                  <a:srgbClr val="0000FF"/>
+                </a:solidFill>
+                <a:effectLst/>
+                <a:latin typeface="Lucida Console" panose="020B0609040504020204" pitchFamily="49" charset="0"/>
+              </a:rPr>
+              <a:t>pCutoff</a:t>
+            </a:r>
+            <a:r>
+              <a:rPr kumimoji="0" lang="en-US" altLang="en-US" sz="1200" b="0" i="0" u="none" strike="noStrike" cap="none" normalizeH="0" baseline="0" dirty="0">
+                <a:ln>
+                  <a:noFill/>
+                </a:ln>
+                <a:solidFill>
+                  <a:srgbClr val="0000FF"/>
+                </a:solidFill>
+                <a:effectLst/>
+                <a:latin typeface="Lucida Console" panose="020B0609040504020204" pitchFamily="49" charset="0"/>
+              </a:rPr>
+              <a:t> = 10e-10, </a:t>
+            </a:r>
+          </a:p>
+          <a:p>
+            <a:pPr marL="0" marR="0" lvl="0" indent="0" algn="l" defTabSz="914400" rtl="0" eaLnBrk="0" fontAlgn="base" latinLnBrk="0" hangingPunct="0">
+              <a:lnSpc>
+                <a:spcPct val="100000"/>
+              </a:lnSpc>
+              <a:spcBef>
+                <a:spcPct val="0"/>
+              </a:spcBef>
+              <a:spcAft>
+                <a:spcPct val="0"/>
+              </a:spcAft>
+              <a:buClrTx/>
+              <a:buSzTx/>
+              <a:buFontTx/>
+              <a:buNone/>
+              <a:tabLst/>
+            </a:pPr>
+            <a:r>
+              <a:rPr lang="en-US" altLang="en-US" sz="1200" dirty="0">
+                <a:solidFill>
+                  <a:srgbClr val="0000FF"/>
+                </a:solidFill>
+                <a:latin typeface="Lucida Console" panose="020B0609040504020204" pitchFamily="49" charset="0"/>
+              </a:rPr>
+              <a:t>	</a:t>
+            </a:r>
+            <a:r>
+              <a:rPr kumimoji="0" lang="en-US" altLang="en-US" sz="1200" b="0" i="0" u="none" strike="noStrike" cap="none" normalizeH="0" baseline="0" dirty="0" err="1">
+                <a:ln>
+                  <a:noFill/>
+                </a:ln>
+                <a:solidFill>
+                  <a:srgbClr val="0000FF"/>
+                </a:solidFill>
+                <a:effectLst/>
+                <a:latin typeface="Lucida Console" panose="020B0609040504020204" pitchFamily="49" charset="0"/>
+              </a:rPr>
+              <a:t>FCcutoff</a:t>
+            </a:r>
+            <a:r>
+              <a:rPr kumimoji="0" lang="en-US" altLang="en-US" sz="1200" b="0" i="0" u="none" strike="noStrike" cap="none" normalizeH="0" baseline="0" dirty="0">
+                <a:ln>
+                  <a:noFill/>
+                </a:ln>
+                <a:solidFill>
+                  <a:srgbClr val="0000FF"/>
+                </a:solidFill>
+                <a:effectLst/>
+                <a:latin typeface="Lucida Console" panose="020B0609040504020204" pitchFamily="49" charset="0"/>
+              </a:rPr>
+              <a:t> = 1)</a:t>
+            </a:r>
+            <a:endParaRPr kumimoji="0" lang="en-US" altLang="en-US" sz="3200" b="0" i="0" u="none" strike="noStrike" cap="none" normalizeH="0" baseline="0" dirty="0">
+              <a:ln>
+                <a:noFill/>
+              </a:ln>
+              <a:solidFill>
+                <a:schemeClr val="tx1"/>
+              </a:solidFill>
+              <a:effectLst/>
+              <a:latin typeface="Arial" panose="020B0604020202020204" pitchFamily="34" charset="0"/>
+            </a:endParaRPr>
+          </a:p>
+        </p:txBody>
+      </p:sp>
+      <p:pic>
+        <p:nvPicPr>
+          <p:cNvPr id="9" name="Picture 8" descr="A close up of a map&#10;&#10;Description automatically generated">
+            <a:extLst>
+              <a:ext uri="{FF2B5EF4-FFF2-40B4-BE49-F238E27FC236}">
+                <a16:creationId xmlns:a16="http://schemas.microsoft.com/office/drawing/2014/main" id="{1EF9EA28-659F-4871-87B1-EC4D2F2B68C6}"/>
+              </a:ext>
+            </a:extLst>
+          </p:cNvPr>
+          <p:cNvPicPr>
+            <a:picLocks noChangeAspect="1"/>
+          </p:cNvPicPr>
+          <p:nvPr/>
+        </p:nvPicPr>
+        <p:blipFill>
+          <a:blip r:embed="rId2"/>
+          <a:stretch>
+            <a:fillRect/>
+          </a:stretch>
+        </p:blipFill>
+        <p:spPr>
+          <a:xfrm>
+            <a:off x="5975827" y="910846"/>
+            <a:ext cx="5125165" cy="5182323"/>
+          </a:xfrm>
+          <a:prstGeom prst="rect">
+            <a:avLst/>
+          </a:prstGeom>
+        </p:spPr>
+      </p:pic>
+      <p:sp>
+        <p:nvSpPr>
+          <p:cNvPr id="10" name="TextBox 9">
+            <a:extLst>
+              <a:ext uri="{FF2B5EF4-FFF2-40B4-BE49-F238E27FC236}">
+                <a16:creationId xmlns:a16="http://schemas.microsoft.com/office/drawing/2014/main" id="{4535BCE0-8647-4E74-AE92-18B4D9030752}"/>
+              </a:ext>
+            </a:extLst>
+          </p:cNvPr>
+          <p:cNvSpPr txBox="1"/>
+          <p:nvPr/>
+        </p:nvSpPr>
+        <p:spPr>
+          <a:xfrm>
+            <a:off x="633274" y="4752474"/>
+            <a:ext cx="5342553" cy="1477328"/>
+          </a:xfrm>
+          <a:prstGeom prst="rect">
+            <a:avLst/>
+          </a:prstGeom>
+          <a:noFill/>
+        </p:spPr>
+        <p:txBody>
+          <a:bodyPr wrap="none" rtlCol="0">
+            <a:spAutoFit/>
+          </a:bodyPr>
+          <a:lstStyle/>
+          <a:p>
+            <a:r>
+              <a:rPr lang="en-US" dirty="0"/>
+              <a:t>Some notes:</a:t>
+            </a:r>
+          </a:p>
+          <a:p>
+            <a:pPr marL="285750" indent="-285750">
+              <a:buFontTx/>
+              <a:buChar char="-"/>
+            </a:pPr>
+            <a:r>
+              <a:rPr lang="en-US" dirty="0"/>
+              <a:t>Use gene names </a:t>
+            </a:r>
+          </a:p>
+          <a:p>
+            <a:pPr marL="285750" indent="-285750">
+              <a:buFontTx/>
+              <a:buChar char="-"/>
+            </a:pPr>
+            <a:r>
+              <a:rPr lang="en-US" dirty="0"/>
+              <a:t>Label axes correctly (“FDR” or “p-adj”, not just “p”)</a:t>
+            </a:r>
+          </a:p>
+          <a:p>
+            <a:pPr marL="285750" indent="-285750">
+              <a:buFontTx/>
+              <a:buChar char="-"/>
+            </a:pPr>
+            <a:r>
+              <a:rPr lang="en-US" dirty="0"/>
+              <a:t>Check the documentation for more information:</a:t>
+            </a:r>
+          </a:p>
+          <a:p>
+            <a:pPr lvl="1"/>
+            <a:r>
+              <a:rPr lang="en-US" dirty="0">
+                <a:hlinkClick r:id="rId3"/>
+              </a:rPr>
+              <a:t>https://github.com/kevinblighe/EnhancedVolcano</a:t>
+            </a:r>
+            <a:endParaRPr lang="en-US" dirty="0"/>
+          </a:p>
+        </p:txBody>
+      </p:sp>
+    </p:spTree>
+    <p:extLst>
+      <p:ext uri="{BB962C8B-B14F-4D97-AF65-F5344CB8AC3E}">
+        <p14:creationId xmlns:p14="http://schemas.microsoft.com/office/powerpoint/2010/main" val="266999898"/>
+      </p:ext>
+    </p:extLst>
+  </p:cSld>
+  <p:clrMapOvr>
+    <a:masterClrMapping/>
+  </p:clrMapOvr>
+</p:sld>
+</file>
+
+<file path=ppt/slides/slide6.xml><?xml version="1.0" encoding="utf-8"?>
+<p:sld xmlns:a="http://schemas.openxmlformats.org/drawingml/2006/main" xmlns:r="http://schemas.openxmlformats.org/officeDocument/2006/relationships" xmlns:p="http://schemas.openxmlformats.org/presentationml/2006/main">
+  <p:cSld>
+    <p:spTree>
+      <p:nvGrpSpPr>
+        <p:cNvPr id="1" name=""/>
+        <p:cNvGrpSpPr/>
+        <p:nvPr/>
+      </p:nvGrpSpPr>
+      <p:grpSpPr>
+        <a:xfrm>
+          <a:off x="0" y="0"/>
+          <a:ext cx="0" cy="0"/>
+          <a:chOff x="0" y="0"/>
+          <a:chExt cx="0" cy="0"/>
+        </a:xfrm>
+      </p:grpSpPr>
+      <p:sp>
+        <p:nvSpPr>
+          <p:cNvPr id="2" name="Title 1">
+            <a:extLst>
+              <a:ext uri="{FF2B5EF4-FFF2-40B4-BE49-F238E27FC236}">
+                <a16:creationId xmlns:a16="http://schemas.microsoft.com/office/drawing/2014/main" id="{538EE606-FDD8-4CD8-94F3-49A152A7D132}"/>
+              </a:ext>
+            </a:extLst>
+          </p:cNvPr>
+          <p:cNvSpPr>
+            <a:spLocks noGrp="1"/>
+          </p:cNvSpPr>
+          <p:nvPr>
+            <p:ph type="title"/>
+          </p:nvPr>
+        </p:nvSpPr>
+        <p:spPr/>
+        <p:txBody>
+          <a:bodyPr/>
+          <a:lstStyle/>
+          <a:p>
+            <a:r>
+              <a:rPr lang="en-US" dirty="0" err="1"/>
+              <a:t>Kaplain</a:t>
+            </a:r>
+            <a:r>
+              <a:rPr lang="en-US" dirty="0"/>
+              <a:t>-Meier Curves</a:t>
+            </a:r>
+          </a:p>
+        </p:txBody>
+      </p:sp>
+      <p:sp>
+        <p:nvSpPr>
+          <p:cNvPr id="3" name="Content Placeholder 2">
+            <a:extLst>
+              <a:ext uri="{FF2B5EF4-FFF2-40B4-BE49-F238E27FC236}">
+                <a16:creationId xmlns:a16="http://schemas.microsoft.com/office/drawing/2014/main" id="{440B1CDA-AD6A-45F7-B982-EF22DD5F2137}"/>
+              </a:ext>
+            </a:extLst>
+          </p:cNvPr>
+          <p:cNvSpPr>
+            <a:spLocks noGrp="1"/>
+          </p:cNvSpPr>
+          <p:nvPr>
+            <p:ph idx="1"/>
+          </p:nvPr>
+        </p:nvSpPr>
+        <p:spPr/>
+        <p:txBody>
+          <a:bodyPr/>
+          <a:lstStyle/>
+          <a:p>
+            <a:r>
+              <a:rPr lang="en-US"/>
+              <a:t>Estimate survival as a function of a condition</a:t>
+            </a:r>
+          </a:p>
+          <a:p>
+            <a:pPr lvl="1"/>
+            <a:r>
+              <a:rPr lang="en-US"/>
+              <a:t>Is a drug having a significant effect on outcome?</a:t>
+            </a:r>
+          </a:p>
+          <a:p>
+            <a:pPr lvl="1"/>
+            <a:r>
+              <a:rPr lang="en-US"/>
+              <a:t>Does a genotype or phenotype improve outcome?</a:t>
+            </a:r>
+          </a:p>
+          <a:p>
+            <a:endParaRPr lang="en-US" dirty="0"/>
+          </a:p>
+        </p:txBody>
+      </p:sp>
+      <p:sp>
+        <p:nvSpPr>
+          <p:cNvPr id="5" name="TextBox 4">
+            <a:extLst>
+              <a:ext uri="{FF2B5EF4-FFF2-40B4-BE49-F238E27FC236}">
+                <a16:creationId xmlns:a16="http://schemas.microsoft.com/office/drawing/2014/main" id="{9B78E197-4B04-4F56-837B-E58EA3A36721}"/>
+              </a:ext>
+            </a:extLst>
+          </p:cNvPr>
+          <p:cNvSpPr txBox="1"/>
+          <p:nvPr/>
+        </p:nvSpPr>
+        <p:spPr>
+          <a:xfrm>
+            <a:off x="826168" y="3816628"/>
+            <a:ext cx="6093994" cy="1569660"/>
+          </a:xfrm>
+          <a:prstGeom prst="rect">
+            <a:avLst/>
+          </a:prstGeom>
+          <a:noFill/>
+        </p:spPr>
+        <p:txBody>
+          <a:bodyPr wrap="square">
+            <a:spAutoFit/>
+          </a:bodyPr>
+          <a:lstStyle/>
+          <a:p>
+            <a:r>
+              <a:rPr lang="en-US" sz="1200" dirty="0">
+                <a:solidFill>
+                  <a:srgbClr val="0000FF"/>
+                </a:solidFill>
+                <a:latin typeface="Lucida Console" panose="020B0609040504020204" pitchFamily="49" charset="0"/>
+              </a:rPr>
+              <a:t>&gt; install.packages('</a:t>
+            </a:r>
+            <a:r>
+              <a:rPr lang="en-US" sz="1200" dirty="0" err="1">
+                <a:solidFill>
+                  <a:srgbClr val="0000FF"/>
+                </a:solidFill>
+                <a:latin typeface="Lucida Console" panose="020B0609040504020204" pitchFamily="49" charset="0"/>
+              </a:rPr>
+              <a:t>survminer</a:t>
+            </a:r>
+            <a:r>
+              <a:rPr lang="en-US" sz="1200" dirty="0">
+                <a:solidFill>
+                  <a:srgbClr val="0000FF"/>
+                </a:solidFill>
+                <a:latin typeface="Lucida Console" panose="020B0609040504020204" pitchFamily="49" charset="0"/>
+              </a:rPr>
+              <a:t>’)</a:t>
+            </a:r>
+          </a:p>
+          <a:p>
+            <a:r>
+              <a:rPr lang="en-US" sz="1200" dirty="0">
+                <a:solidFill>
+                  <a:srgbClr val="0000FF"/>
+                </a:solidFill>
+                <a:latin typeface="Lucida Console" panose="020B0609040504020204" pitchFamily="49" charset="0"/>
+              </a:rPr>
+              <a:t>&gt; </a:t>
+            </a:r>
+            <a:r>
+              <a:rPr lang="en-US" sz="1200" dirty="0" err="1">
+                <a:solidFill>
+                  <a:srgbClr val="0000FF"/>
+                </a:solidFill>
+                <a:latin typeface="Lucida Console" panose="020B0609040504020204" pitchFamily="49" charset="0"/>
+              </a:rPr>
+              <a:t>BiocManager</a:t>
+            </a:r>
+            <a:r>
+              <a:rPr lang="en-US" sz="1200" dirty="0">
+                <a:solidFill>
+                  <a:srgbClr val="0000FF"/>
+                </a:solidFill>
+                <a:latin typeface="Lucida Console" panose="020B0609040504020204" pitchFamily="49" charset="0"/>
+              </a:rPr>
+              <a:t>::install('</a:t>
+            </a:r>
+            <a:r>
+              <a:rPr lang="en-US" sz="1200" dirty="0" err="1">
+                <a:solidFill>
+                  <a:srgbClr val="0000FF"/>
+                </a:solidFill>
+                <a:latin typeface="Lucida Console" panose="020B0609040504020204" pitchFamily="49" charset="0"/>
+              </a:rPr>
+              <a:t>RTCGA.clinical</a:t>
+            </a:r>
+            <a:r>
+              <a:rPr lang="en-US" sz="1200" dirty="0">
+                <a:solidFill>
+                  <a:srgbClr val="0000FF"/>
+                </a:solidFill>
+                <a:latin typeface="Lucida Console" panose="020B0609040504020204" pitchFamily="49" charset="0"/>
+              </a:rPr>
+              <a:t>’)</a:t>
+            </a:r>
+          </a:p>
+          <a:p>
+            <a:endParaRPr lang="en-US" sz="1200" dirty="0">
+              <a:solidFill>
+                <a:srgbClr val="0000FF"/>
+              </a:solidFill>
+              <a:latin typeface="Lucida Console" panose="020B0609040504020204" pitchFamily="49" charset="0"/>
+            </a:endParaRPr>
+          </a:p>
+          <a:p>
+            <a:r>
+              <a:rPr lang="en-US" sz="1200" dirty="0">
+                <a:solidFill>
+                  <a:srgbClr val="0000FF"/>
+                </a:solidFill>
+                <a:latin typeface="Lucida Console" panose="020B0609040504020204" pitchFamily="49" charset="0"/>
+              </a:rPr>
+              <a:t>&gt; library(</a:t>
+            </a:r>
+            <a:r>
+              <a:rPr lang="en-US" sz="1200" dirty="0" err="1">
+                <a:solidFill>
+                  <a:srgbClr val="0000FF"/>
+                </a:solidFill>
+                <a:latin typeface="Lucida Console" panose="020B0609040504020204" pitchFamily="49" charset="0"/>
+              </a:rPr>
+              <a:t>survminer</a:t>
+            </a:r>
+            <a:r>
+              <a:rPr lang="en-US" sz="1200" dirty="0">
+                <a:solidFill>
+                  <a:srgbClr val="0000FF"/>
+                </a:solidFill>
+                <a:latin typeface="Lucida Console" panose="020B0609040504020204" pitchFamily="49" charset="0"/>
+              </a:rPr>
+              <a:t>)</a:t>
+            </a:r>
+          </a:p>
+          <a:p>
+            <a:r>
+              <a:rPr lang="en-US" sz="1200" dirty="0">
+                <a:solidFill>
+                  <a:srgbClr val="0000FF"/>
+                </a:solidFill>
+                <a:latin typeface="Lucida Console" panose="020B0609040504020204" pitchFamily="49" charset="0"/>
+              </a:rPr>
+              <a:t>&gt; library(survival)</a:t>
+            </a:r>
+          </a:p>
+          <a:p>
+            <a:r>
+              <a:rPr lang="en-US" sz="1200" dirty="0">
+                <a:solidFill>
+                  <a:srgbClr val="0000FF"/>
+                </a:solidFill>
+                <a:latin typeface="Lucida Console" panose="020B0609040504020204" pitchFamily="49" charset="0"/>
+              </a:rPr>
+              <a:t>&gt; library(</a:t>
+            </a:r>
+            <a:r>
+              <a:rPr lang="en-US" sz="1200" dirty="0" err="1">
+                <a:solidFill>
+                  <a:srgbClr val="0000FF"/>
+                </a:solidFill>
+                <a:latin typeface="Lucida Console" panose="020B0609040504020204" pitchFamily="49" charset="0"/>
+              </a:rPr>
+              <a:t>RTCGA.clinical</a:t>
+            </a:r>
+            <a:r>
+              <a:rPr lang="en-US" sz="1200" dirty="0">
+                <a:solidFill>
+                  <a:srgbClr val="0000FF"/>
+                </a:solidFill>
+                <a:latin typeface="Lucida Console" panose="020B0609040504020204" pitchFamily="49" charset="0"/>
+              </a:rPr>
+              <a:t>)</a:t>
+            </a:r>
+          </a:p>
+          <a:p>
+            <a:endParaRPr lang="en-US" sz="1200" dirty="0">
+              <a:solidFill>
+                <a:srgbClr val="0000FF"/>
+              </a:solidFill>
+              <a:latin typeface="Lucida Console" panose="020B0609040504020204" pitchFamily="49" charset="0"/>
+            </a:endParaRPr>
+          </a:p>
+          <a:p>
+            <a:endParaRPr lang="en-US" sz="1200" dirty="0">
+              <a:solidFill>
+                <a:srgbClr val="0000FF"/>
+              </a:solidFill>
+              <a:latin typeface="Lucida Console" panose="020B0609040504020204" pitchFamily="49" charset="0"/>
+            </a:endParaRPr>
+          </a:p>
+        </p:txBody>
+      </p:sp>
+      <p:cxnSp>
+        <p:nvCxnSpPr>
+          <p:cNvPr id="8" name="Straight Arrow Connector 7">
+            <a:extLst>
+              <a:ext uri="{FF2B5EF4-FFF2-40B4-BE49-F238E27FC236}">
+                <a16:creationId xmlns:a16="http://schemas.microsoft.com/office/drawing/2014/main" id="{B2331AFC-C51F-454B-97E9-CA8B5A281418}"/>
+              </a:ext>
+            </a:extLst>
+          </p:cNvPr>
+          <p:cNvCxnSpPr>
+            <a:cxnSpLocks/>
+          </p:cNvCxnSpPr>
+          <p:nvPr/>
+        </p:nvCxnSpPr>
+        <p:spPr>
+          <a:xfrm flipH="1">
+            <a:off x="4700338" y="3871377"/>
+            <a:ext cx="1395662" cy="259833"/>
+          </a:xfrm>
+          <a:prstGeom prst="straightConnector1">
+            <a:avLst/>
+          </a:prstGeom>
+          <a:ln>
+            <a:solidFill>
+              <a:srgbClr val="FF0000"/>
+            </a:solidFill>
+            <a:tailEnd type="triangle"/>
+          </a:ln>
+        </p:spPr>
+        <p:style>
+          <a:lnRef idx="1">
+            <a:schemeClr val="accent1"/>
+          </a:lnRef>
+          <a:fillRef idx="0">
+            <a:schemeClr val="accent1"/>
+          </a:fillRef>
+          <a:effectRef idx="0">
+            <a:schemeClr val="accent1"/>
+          </a:effectRef>
+          <a:fontRef idx="minor">
+            <a:schemeClr val="tx1"/>
+          </a:fontRef>
+        </p:style>
+      </p:cxnSp>
+      <p:sp>
+        <p:nvSpPr>
+          <p:cNvPr id="11" name="TextBox 10">
+            <a:extLst>
+              <a:ext uri="{FF2B5EF4-FFF2-40B4-BE49-F238E27FC236}">
+                <a16:creationId xmlns:a16="http://schemas.microsoft.com/office/drawing/2014/main" id="{56F7ECC2-7CF2-4C0B-8D67-CBDB8695DB28}"/>
+              </a:ext>
+            </a:extLst>
+          </p:cNvPr>
+          <p:cNvSpPr txBox="1"/>
+          <p:nvPr/>
+        </p:nvSpPr>
+        <p:spPr>
+          <a:xfrm>
+            <a:off x="6196263" y="3548211"/>
+            <a:ext cx="3059043" cy="646331"/>
+          </a:xfrm>
+          <a:prstGeom prst="rect">
+            <a:avLst/>
+          </a:prstGeom>
+          <a:noFill/>
+        </p:spPr>
+        <p:txBody>
+          <a:bodyPr wrap="none" rtlCol="0">
+            <a:spAutoFit/>
+          </a:bodyPr>
+          <a:lstStyle/>
+          <a:p>
+            <a:r>
+              <a:rPr lang="en-US" dirty="0"/>
+              <a:t>There are a lot of open source </a:t>
+            </a:r>
+          </a:p>
+          <a:p>
+            <a:r>
+              <a:rPr lang="en-US" dirty="0"/>
+              <a:t>resources like this!</a:t>
+            </a:r>
+          </a:p>
+        </p:txBody>
+      </p:sp>
+      <p:sp>
+        <p:nvSpPr>
+          <p:cNvPr id="12" name="TextBox 11">
+            <a:extLst>
+              <a:ext uri="{FF2B5EF4-FFF2-40B4-BE49-F238E27FC236}">
+                <a16:creationId xmlns:a16="http://schemas.microsoft.com/office/drawing/2014/main" id="{C09802D0-066E-4ACB-95C9-437186E6E4F3}"/>
+              </a:ext>
+            </a:extLst>
+          </p:cNvPr>
+          <p:cNvSpPr txBox="1"/>
+          <p:nvPr/>
+        </p:nvSpPr>
+        <p:spPr>
+          <a:xfrm>
+            <a:off x="7725784" y="6557211"/>
+            <a:ext cx="4355680" cy="215444"/>
+          </a:xfrm>
+          <a:prstGeom prst="rect">
+            <a:avLst/>
+          </a:prstGeom>
+          <a:noFill/>
+        </p:spPr>
+        <p:txBody>
+          <a:bodyPr wrap="none" rtlCol="0">
+            <a:spAutoFit/>
+          </a:bodyPr>
+          <a:lstStyle/>
+          <a:p>
+            <a:r>
+              <a:rPr lang="en-US" sz="800" dirty="0"/>
+              <a:t>See: </a:t>
+            </a:r>
+            <a:r>
+              <a:rPr lang="en-US" sz="800" dirty="0">
+                <a:hlinkClick r:id="rId2"/>
+              </a:rPr>
+              <a:t>https://cran.r-project.org/web/packages/survminer/vignettes/Informative_Survival_Plots.html</a:t>
+            </a:r>
+            <a:endParaRPr lang="en-US" sz="800" dirty="0"/>
+          </a:p>
+        </p:txBody>
+      </p:sp>
+    </p:spTree>
+    <p:extLst>
+      <p:ext uri="{BB962C8B-B14F-4D97-AF65-F5344CB8AC3E}">
+        <p14:creationId xmlns:p14="http://schemas.microsoft.com/office/powerpoint/2010/main" val="779374980"/>
+      </p:ext>
+    </p:extLst>
+  </p:cSld>
+  <p:clrMapOvr>
+    <a:masterClrMapping/>
+  </p:clrMapOvr>
+</p:sld>
+</file>
+
+<file path=ppt/slides/slide7.xml><?xml version="1.0" encoding="utf-8"?>
+<p:sld xmlns:a="http://schemas.openxmlformats.org/drawingml/2006/main" xmlns:r="http://schemas.openxmlformats.org/officeDocument/2006/relationships" xmlns:p="http://schemas.openxmlformats.org/presentationml/2006/main">
+  <p:cSld>
+    <p:spTree>
+      <p:nvGrpSpPr>
+        <p:cNvPr id="1" name=""/>
+        <p:cNvGrpSpPr/>
+        <p:nvPr/>
+      </p:nvGrpSpPr>
+      <p:grpSpPr>
+        <a:xfrm>
+          <a:off x="0" y="0"/>
+          <a:ext cx="0" cy="0"/>
+          <a:chOff x="0" y="0"/>
+          <a:chExt cx="0" cy="0"/>
+        </a:xfrm>
+      </p:grpSpPr>
+      <p:sp>
+        <p:nvSpPr>
+          <p:cNvPr id="6" name="Title 1">
+            <a:extLst>
+              <a:ext uri="{FF2B5EF4-FFF2-40B4-BE49-F238E27FC236}">
+                <a16:creationId xmlns:a16="http://schemas.microsoft.com/office/drawing/2014/main" id="{7ADB6472-F4ED-4FDF-B0D9-B392040FEAF4}"/>
+              </a:ext>
+            </a:extLst>
+          </p:cNvPr>
+          <p:cNvSpPr>
+            <a:spLocks noGrp="1"/>
+          </p:cNvSpPr>
+          <p:nvPr>
+            <p:ph type="title"/>
+          </p:nvPr>
+        </p:nvSpPr>
+        <p:spPr>
+          <a:xfrm>
+            <a:off x="838200" y="365125"/>
+            <a:ext cx="10515600" cy="1325563"/>
+          </a:xfrm>
+        </p:spPr>
+        <p:txBody>
+          <a:bodyPr/>
+          <a:lstStyle/>
+          <a:p>
+            <a:r>
+              <a:rPr lang="en-US" dirty="0" err="1"/>
+              <a:t>Kaplain</a:t>
+            </a:r>
+            <a:r>
+              <a:rPr lang="en-US" dirty="0"/>
+              <a:t>-Meier Curves</a:t>
+            </a:r>
+          </a:p>
+        </p:txBody>
+      </p:sp>
+      <p:sp>
+        <p:nvSpPr>
+          <p:cNvPr id="7" name="TextBox 6">
+            <a:extLst>
+              <a:ext uri="{FF2B5EF4-FFF2-40B4-BE49-F238E27FC236}">
+                <a16:creationId xmlns:a16="http://schemas.microsoft.com/office/drawing/2014/main" id="{15AD194B-AD45-482E-8FD1-E6097229D949}"/>
+              </a:ext>
+            </a:extLst>
+          </p:cNvPr>
+          <p:cNvSpPr txBox="1"/>
+          <p:nvPr/>
+        </p:nvSpPr>
+        <p:spPr>
+          <a:xfrm>
+            <a:off x="838199" y="1690688"/>
+            <a:ext cx="9533021" cy="2123658"/>
+          </a:xfrm>
+          <a:prstGeom prst="rect">
+            <a:avLst/>
+          </a:prstGeom>
+          <a:noFill/>
+        </p:spPr>
+        <p:txBody>
+          <a:bodyPr wrap="square">
+            <a:spAutoFit/>
+          </a:bodyPr>
+          <a:lstStyle/>
+          <a:p>
+            <a:r>
+              <a:rPr lang="en-US" sz="1000" dirty="0">
+                <a:solidFill>
+                  <a:srgbClr val="0000FF"/>
+                </a:solidFill>
+                <a:latin typeface="Lucida Console" panose="020B0609040504020204" pitchFamily="49" charset="0"/>
+              </a:rPr>
+              <a:t>&gt; </a:t>
+            </a:r>
+            <a:r>
+              <a:rPr lang="en-US" sz="1000" dirty="0" err="1">
+                <a:solidFill>
+                  <a:srgbClr val="0000FF"/>
+                </a:solidFill>
+                <a:latin typeface="Lucida Console" panose="020B0609040504020204" pitchFamily="49" charset="0"/>
+              </a:rPr>
+              <a:t>survivalTCGA</a:t>
+            </a:r>
+            <a:r>
+              <a:rPr lang="en-US" sz="1000" dirty="0">
+                <a:solidFill>
+                  <a:srgbClr val="0000FF"/>
+                </a:solidFill>
+                <a:latin typeface="Lucida Console" panose="020B0609040504020204" pitchFamily="49" charset="0"/>
+              </a:rPr>
+              <a:t>(</a:t>
+            </a:r>
+            <a:r>
+              <a:rPr lang="en-US" sz="1000" dirty="0" err="1">
+                <a:solidFill>
+                  <a:srgbClr val="0000FF"/>
+                </a:solidFill>
+                <a:latin typeface="Lucida Console" panose="020B0609040504020204" pitchFamily="49" charset="0"/>
+              </a:rPr>
+              <a:t>BRCA.clinical</a:t>
+            </a:r>
+            <a:r>
+              <a:rPr lang="en-US" sz="1000" dirty="0">
+                <a:solidFill>
+                  <a:srgbClr val="0000FF"/>
+                </a:solidFill>
+                <a:latin typeface="Lucida Console" panose="020B0609040504020204" pitchFamily="49" charset="0"/>
+              </a:rPr>
+              <a:t>, </a:t>
+            </a:r>
+            <a:r>
+              <a:rPr lang="en-US" sz="1000" dirty="0" err="1">
+                <a:solidFill>
+                  <a:srgbClr val="0000FF"/>
+                </a:solidFill>
+                <a:latin typeface="Lucida Console" panose="020B0609040504020204" pitchFamily="49" charset="0"/>
+              </a:rPr>
+              <a:t>OV.clinical</a:t>
+            </a:r>
+            <a:r>
+              <a:rPr lang="en-US" sz="1000" dirty="0">
+                <a:solidFill>
+                  <a:srgbClr val="0000FF"/>
+                </a:solidFill>
+                <a:latin typeface="Lucida Console" panose="020B0609040504020204" pitchFamily="49" charset="0"/>
+              </a:rPr>
+              <a:t>, </a:t>
+            </a:r>
+            <a:r>
+              <a:rPr lang="en-US" sz="1000" dirty="0" err="1">
+                <a:solidFill>
+                  <a:srgbClr val="0000FF"/>
+                </a:solidFill>
+                <a:latin typeface="Lucida Console" panose="020B0609040504020204" pitchFamily="49" charset="0"/>
+              </a:rPr>
+              <a:t>extract.cols</a:t>
+            </a:r>
+            <a:r>
+              <a:rPr lang="en-US" sz="1000" dirty="0">
+                <a:solidFill>
+                  <a:srgbClr val="0000FF"/>
+                </a:solidFill>
+                <a:latin typeface="Lucida Console" panose="020B0609040504020204" pitchFamily="49" charset="0"/>
+              </a:rPr>
+              <a:t> = "</a:t>
+            </a:r>
+            <a:r>
+              <a:rPr lang="en-US" sz="1000" dirty="0" err="1">
+                <a:solidFill>
+                  <a:srgbClr val="0000FF"/>
+                </a:solidFill>
+                <a:latin typeface="Lucida Console" panose="020B0609040504020204" pitchFamily="49" charset="0"/>
+              </a:rPr>
+              <a:t>admin.disease_code</a:t>
+            </a:r>
+            <a:r>
+              <a:rPr lang="en-US" sz="1000" dirty="0">
+                <a:solidFill>
+                  <a:srgbClr val="0000FF"/>
+                </a:solidFill>
+                <a:latin typeface="Lucida Console" panose="020B0609040504020204" pitchFamily="49" charset="0"/>
+              </a:rPr>
+              <a:t>")</a:t>
+            </a:r>
+          </a:p>
+          <a:p>
+            <a:r>
+              <a:rPr lang="en-US" sz="1000" dirty="0">
+                <a:solidFill>
+                  <a:srgbClr val="0000FF"/>
+                </a:solidFill>
+                <a:latin typeface="Lucida Console" panose="020B0609040504020204" pitchFamily="49" charset="0"/>
+              </a:rPr>
+              <a:t>&gt; fit &lt;- </a:t>
+            </a:r>
+            <a:r>
+              <a:rPr lang="en-US" sz="1000" dirty="0" err="1">
+                <a:solidFill>
+                  <a:srgbClr val="0000FF"/>
+                </a:solidFill>
+                <a:latin typeface="Lucida Console" panose="020B0609040504020204" pitchFamily="49" charset="0"/>
+              </a:rPr>
+              <a:t>survfit</a:t>
+            </a:r>
+            <a:r>
+              <a:rPr lang="en-US" sz="1000" dirty="0">
+                <a:solidFill>
+                  <a:srgbClr val="0000FF"/>
+                </a:solidFill>
+                <a:latin typeface="Lucida Console" panose="020B0609040504020204" pitchFamily="49" charset="0"/>
+              </a:rPr>
+              <a:t>(</a:t>
+            </a:r>
+            <a:r>
+              <a:rPr lang="en-US" sz="1000" dirty="0" err="1">
+                <a:solidFill>
+                  <a:srgbClr val="0000FF"/>
+                </a:solidFill>
+                <a:latin typeface="Lucida Console" panose="020B0609040504020204" pitchFamily="49" charset="0"/>
+              </a:rPr>
+              <a:t>Surv</a:t>
+            </a:r>
+            <a:r>
+              <a:rPr lang="en-US" sz="1000" dirty="0">
+                <a:solidFill>
+                  <a:srgbClr val="0000FF"/>
+                </a:solidFill>
+                <a:latin typeface="Lucida Console" panose="020B0609040504020204" pitchFamily="49" charset="0"/>
+              </a:rPr>
+              <a:t>(times, </a:t>
+            </a:r>
+            <a:r>
+              <a:rPr lang="en-US" sz="1000" dirty="0" err="1">
+                <a:solidFill>
+                  <a:srgbClr val="0000FF"/>
+                </a:solidFill>
+                <a:latin typeface="Lucida Console" panose="020B0609040504020204" pitchFamily="49" charset="0"/>
+              </a:rPr>
+              <a:t>patient.vital_status</a:t>
+            </a:r>
+            <a:r>
+              <a:rPr lang="en-US" sz="1000" dirty="0">
+                <a:solidFill>
+                  <a:srgbClr val="0000FF"/>
+                </a:solidFill>
+                <a:latin typeface="Lucida Console" panose="020B0609040504020204" pitchFamily="49" charset="0"/>
+              </a:rPr>
+              <a:t>) ~ </a:t>
+            </a:r>
+            <a:r>
+              <a:rPr lang="en-US" sz="1000" dirty="0" err="1">
+                <a:solidFill>
+                  <a:srgbClr val="0000FF"/>
+                </a:solidFill>
+                <a:latin typeface="Lucida Console" panose="020B0609040504020204" pitchFamily="49" charset="0"/>
+              </a:rPr>
+              <a:t>admin.disease_code</a:t>
+            </a:r>
+            <a:r>
+              <a:rPr lang="en-US" sz="1000" dirty="0">
+                <a:solidFill>
+                  <a:srgbClr val="0000FF"/>
+                </a:solidFill>
+                <a:latin typeface="Lucida Console" panose="020B0609040504020204" pitchFamily="49" charset="0"/>
+              </a:rPr>
+              <a:t>, data = </a:t>
+            </a:r>
+            <a:r>
+              <a:rPr lang="en-US" sz="1000" dirty="0" err="1">
+                <a:solidFill>
+                  <a:srgbClr val="0000FF"/>
+                </a:solidFill>
+                <a:latin typeface="Lucida Console" panose="020B0609040504020204" pitchFamily="49" charset="0"/>
+              </a:rPr>
+              <a:t>BRCAOV.survInfo</a:t>
+            </a:r>
+            <a:r>
+              <a:rPr lang="en-US" sz="1000" dirty="0">
+                <a:solidFill>
+                  <a:srgbClr val="0000FF"/>
+                </a:solidFill>
+                <a:latin typeface="Lucida Console" panose="020B0609040504020204" pitchFamily="49" charset="0"/>
+              </a:rPr>
+              <a:t>)</a:t>
+            </a:r>
+          </a:p>
+          <a:p>
+            <a:r>
+              <a:rPr lang="en-US" sz="1000" dirty="0">
+                <a:solidFill>
+                  <a:srgbClr val="0000FF"/>
+                </a:solidFill>
+                <a:latin typeface="Lucida Console" panose="020B0609040504020204" pitchFamily="49" charset="0"/>
+              </a:rPr>
+              <a:t>&gt; </a:t>
+            </a:r>
+            <a:r>
+              <a:rPr lang="en-US" sz="1000" dirty="0" err="1">
+                <a:solidFill>
+                  <a:srgbClr val="0000FF"/>
+                </a:solidFill>
+                <a:latin typeface="Lucida Console" panose="020B0609040504020204" pitchFamily="49" charset="0"/>
+              </a:rPr>
+              <a:t>ggsurvplot</a:t>
+            </a:r>
+            <a:r>
+              <a:rPr lang="en-US" sz="1000" dirty="0">
+                <a:solidFill>
+                  <a:srgbClr val="0000FF"/>
+                </a:solidFill>
+                <a:latin typeface="Lucida Console" panose="020B0609040504020204" pitchFamily="49" charset="0"/>
+              </a:rPr>
+              <a:t>(</a:t>
+            </a:r>
+          </a:p>
+          <a:p>
+            <a:r>
+              <a:rPr lang="en-US" sz="1000" dirty="0">
+                <a:solidFill>
+                  <a:srgbClr val="0000FF"/>
+                </a:solidFill>
+                <a:latin typeface="Lucida Console" panose="020B0609040504020204" pitchFamily="49" charset="0"/>
+              </a:rPr>
+              <a:t>	fit, </a:t>
+            </a:r>
+          </a:p>
+          <a:p>
+            <a:r>
+              <a:rPr lang="en-US" sz="1000" dirty="0">
+                <a:solidFill>
+                  <a:srgbClr val="0000FF"/>
+                </a:solidFill>
+                <a:latin typeface="Lucida Console" panose="020B0609040504020204" pitchFamily="49" charset="0"/>
+              </a:rPr>
+              <a:t>	data = </a:t>
+            </a:r>
+            <a:r>
+              <a:rPr lang="en-US" sz="1000" dirty="0" err="1">
+                <a:solidFill>
+                  <a:srgbClr val="0000FF"/>
+                </a:solidFill>
+                <a:latin typeface="Lucida Console" panose="020B0609040504020204" pitchFamily="49" charset="0"/>
+              </a:rPr>
+              <a:t>BRCAOV.survInfo</a:t>
+            </a:r>
+            <a:r>
+              <a:rPr lang="en-US" sz="1000" dirty="0">
+                <a:solidFill>
+                  <a:srgbClr val="0000FF"/>
+                </a:solidFill>
+                <a:latin typeface="Lucida Console" panose="020B0609040504020204" pitchFamily="49" charset="0"/>
+              </a:rPr>
+              <a:t>, </a:t>
+            </a:r>
+          </a:p>
+          <a:p>
+            <a:r>
+              <a:rPr lang="en-US" sz="1000" dirty="0">
+                <a:solidFill>
+                  <a:srgbClr val="0000FF"/>
+                </a:solidFill>
+                <a:latin typeface="Lucida Console" panose="020B0609040504020204" pitchFamily="49" charset="0"/>
+              </a:rPr>
+              <a:t>	</a:t>
+            </a:r>
+            <a:r>
+              <a:rPr lang="en-US" sz="1000" dirty="0" err="1">
+                <a:solidFill>
+                  <a:srgbClr val="0000FF"/>
+                </a:solidFill>
+                <a:latin typeface="Lucida Console" panose="020B0609040504020204" pitchFamily="49" charset="0"/>
+              </a:rPr>
+              <a:t>risk.table</a:t>
+            </a:r>
+            <a:r>
+              <a:rPr lang="en-US" sz="1000" dirty="0">
+                <a:solidFill>
+                  <a:srgbClr val="0000FF"/>
+                </a:solidFill>
+                <a:latin typeface="Lucida Console" panose="020B0609040504020204" pitchFamily="49" charset="0"/>
+              </a:rPr>
+              <a:t> = TRUE,</a:t>
+            </a:r>
+          </a:p>
+          <a:p>
+            <a:r>
+              <a:rPr lang="en-US" sz="1000" dirty="0">
+                <a:solidFill>
+                  <a:srgbClr val="0000FF"/>
+                </a:solidFill>
+                <a:latin typeface="Lucida Console" panose="020B0609040504020204" pitchFamily="49" charset="0"/>
+              </a:rPr>
+              <a:t>	</a:t>
+            </a:r>
+            <a:r>
+              <a:rPr lang="en-US" sz="1000" dirty="0" err="1">
+                <a:solidFill>
+                  <a:srgbClr val="0000FF"/>
+                </a:solidFill>
+                <a:latin typeface="Lucida Console" panose="020B0609040504020204" pitchFamily="49" charset="0"/>
+              </a:rPr>
+              <a:t>pval</a:t>
+            </a:r>
+            <a:r>
+              <a:rPr lang="en-US" sz="1000" dirty="0">
+                <a:solidFill>
+                  <a:srgbClr val="0000FF"/>
+                </a:solidFill>
+                <a:latin typeface="Lucida Console" panose="020B0609040504020204" pitchFamily="49" charset="0"/>
+              </a:rPr>
+              <a:t> = TRUE, </a:t>
+            </a:r>
+          </a:p>
+          <a:p>
+            <a:r>
+              <a:rPr lang="en-US" sz="1000" dirty="0">
+                <a:solidFill>
+                  <a:srgbClr val="0000FF"/>
+                </a:solidFill>
+                <a:latin typeface="Lucida Console" panose="020B0609040504020204" pitchFamily="49" charset="0"/>
+              </a:rPr>
+              <a:t>	conf.int = TRUE, </a:t>
+            </a:r>
+          </a:p>
+          <a:p>
+            <a:r>
+              <a:rPr lang="en-US" sz="1000" dirty="0">
+                <a:solidFill>
+                  <a:srgbClr val="0000FF"/>
+                </a:solidFill>
+                <a:latin typeface="Lucida Console" panose="020B0609040504020204" pitchFamily="49" charset="0"/>
+              </a:rPr>
+              <a:t>	break.time.by = 1000, </a:t>
+            </a:r>
+          </a:p>
+          <a:p>
+            <a:r>
+              <a:rPr lang="en-US" sz="1000" dirty="0">
+                <a:solidFill>
+                  <a:srgbClr val="0000FF"/>
+                </a:solidFill>
+                <a:latin typeface="Lucida Console" panose="020B0609040504020204" pitchFamily="49" charset="0"/>
+              </a:rPr>
+              <a:t>	</a:t>
+            </a:r>
+            <a:r>
+              <a:rPr lang="en-US" sz="1000" dirty="0" err="1">
+                <a:solidFill>
+                  <a:srgbClr val="0000FF"/>
+                </a:solidFill>
+                <a:latin typeface="Lucida Console" panose="020B0609040504020204" pitchFamily="49" charset="0"/>
+              </a:rPr>
+              <a:t>ggtheme</a:t>
+            </a:r>
+            <a:r>
+              <a:rPr lang="en-US" sz="1000" dirty="0">
+                <a:solidFill>
+                  <a:srgbClr val="0000FF"/>
+                </a:solidFill>
+                <a:latin typeface="Lucida Console" panose="020B0609040504020204" pitchFamily="49" charset="0"/>
+              </a:rPr>
+              <a:t> = </a:t>
+            </a:r>
+            <a:r>
+              <a:rPr lang="en-US" sz="1000" dirty="0" err="1">
+                <a:solidFill>
+                  <a:srgbClr val="0000FF"/>
+                </a:solidFill>
+                <a:latin typeface="Lucida Console" panose="020B0609040504020204" pitchFamily="49" charset="0"/>
+              </a:rPr>
+              <a:t>theme_minimal</a:t>
+            </a:r>
+            <a:r>
+              <a:rPr lang="en-US" sz="1000" dirty="0">
+                <a:solidFill>
+                  <a:srgbClr val="0000FF"/>
+                </a:solidFill>
+                <a:latin typeface="Lucida Console" panose="020B0609040504020204" pitchFamily="49" charset="0"/>
+              </a:rPr>
+              <a:t>(), </a:t>
+            </a:r>
+          </a:p>
+          <a:p>
+            <a:r>
+              <a:rPr lang="en-US" sz="1000" dirty="0">
+                <a:solidFill>
+                  <a:srgbClr val="0000FF"/>
+                </a:solidFill>
+                <a:latin typeface="Lucida Console" panose="020B0609040504020204" pitchFamily="49" charset="0"/>
+              </a:rPr>
+              <a:t>	</a:t>
+            </a:r>
+            <a:r>
+              <a:rPr lang="en-US" sz="1000" dirty="0" err="1">
+                <a:solidFill>
+                  <a:srgbClr val="0000FF"/>
+                </a:solidFill>
+                <a:latin typeface="Lucida Console" panose="020B0609040504020204" pitchFamily="49" charset="0"/>
+              </a:rPr>
+              <a:t>risk.table.y.text.col</a:t>
+            </a:r>
+            <a:r>
+              <a:rPr lang="en-US" sz="1000" dirty="0">
+                <a:solidFill>
+                  <a:srgbClr val="0000FF"/>
+                </a:solidFill>
+                <a:latin typeface="Lucida Console" panose="020B0609040504020204" pitchFamily="49" charset="0"/>
+              </a:rPr>
+              <a:t> = T, </a:t>
+            </a:r>
+          </a:p>
+          <a:p>
+            <a:r>
+              <a:rPr lang="en-US" sz="1000" dirty="0">
+                <a:solidFill>
+                  <a:srgbClr val="0000FF"/>
+                </a:solidFill>
+                <a:latin typeface="Lucida Console" panose="020B0609040504020204" pitchFamily="49" charset="0"/>
+              </a:rPr>
+              <a:t>	</a:t>
+            </a:r>
+            <a:r>
+              <a:rPr lang="en-US" sz="1000" dirty="0" err="1">
+                <a:solidFill>
+                  <a:srgbClr val="0000FF"/>
+                </a:solidFill>
+                <a:latin typeface="Lucida Console" panose="020B0609040504020204" pitchFamily="49" charset="0"/>
+              </a:rPr>
+              <a:t>risk.table.y.text</a:t>
+            </a:r>
+            <a:r>
+              <a:rPr lang="en-US" sz="1000" dirty="0">
+                <a:solidFill>
+                  <a:srgbClr val="0000FF"/>
+                </a:solidFill>
+                <a:latin typeface="Lucida Console" panose="020B0609040504020204" pitchFamily="49" charset="0"/>
+              </a:rPr>
+              <a:t> = FALSE)</a:t>
+            </a:r>
+          </a:p>
+          <a:p>
+            <a:endParaRPr lang="en-US" sz="1200" dirty="0">
+              <a:solidFill>
+                <a:srgbClr val="0000FF"/>
+              </a:solidFill>
+              <a:latin typeface="Lucida Console" panose="020B0609040504020204" pitchFamily="49" charset="0"/>
+            </a:endParaRPr>
+          </a:p>
+        </p:txBody>
+      </p:sp>
+      <p:pic>
+        <p:nvPicPr>
+          <p:cNvPr id="13" name="Picture 12" descr="A close up of a map&#10;&#10;Description automatically generated">
+            <a:extLst>
+              <a:ext uri="{FF2B5EF4-FFF2-40B4-BE49-F238E27FC236}">
+                <a16:creationId xmlns:a16="http://schemas.microsoft.com/office/drawing/2014/main" id="{DA7533A8-6CC1-417C-B3A1-89AC9B2BA295}"/>
+              </a:ext>
+            </a:extLst>
+          </p:cNvPr>
+          <p:cNvPicPr>
+            <a:picLocks noChangeAspect="1"/>
+          </p:cNvPicPr>
+          <p:nvPr/>
+        </p:nvPicPr>
+        <p:blipFill>
+          <a:blip r:embed="rId2"/>
+          <a:stretch>
+            <a:fillRect/>
+          </a:stretch>
+        </p:blipFill>
+        <p:spPr>
+          <a:xfrm>
+            <a:off x="4607798" y="2535619"/>
+            <a:ext cx="7288926" cy="3644463"/>
+          </a:xfrm>
+          <a:prstGeom prst="rect">
+            <a:avLst/>
+          </a:prstGeom>
+        </p:spPr>
+      </p:pic>
+    </p:spTree>
+    <p:extLst>
+      <p:ext uri="{BB962C8B-B14F-4D97-AF65-F5344CB8AC3E}">
+        <p14:creationId xmlns:p14="http://schemas.microsoft.com/office/powerpoint/2010/main" val="1571195052"/>
+      </p:ext>
+    </p:extLst>
+  </p:cSld>
+  <p:clrMapOvr>
+    <a:masterClrMapping/>
+  </p:clrMapOvr>
+</p:sld>
+</file>
+
+<file path=ppt/slides/slide8.xml><?xml version="1.0" encoding="utf-8"?>
+<p:sld xmlns:a="http://schemas.openxmlformats.org/drawingml/2006/main" xmlns:r="http://schemas.openxmlformats.org/officeDocument/2006/relationships" xmlns:p="http://schemas.openxmlformats.org/presentationml/2006/main">
+  <p:cSld>
+    <p:spTree>
+      <p:nvGrpSpPr>
+        <p:cNvPr id="1" name=""/>
+        <p:cNvGrpSpPr/>
+        <p:nvPr/>
+      </p:nvGrpSpPr>
+      <p:grpSpPr>
+        <a:xfrm>
+          <a:off x="0" y="0"/>
+          <a:ext cx="0" cy="0"/>
+          <a:chOff x="0" y="0"/>
+          <a:chExt cx="0" cy="0"/>
+        </a:xfrm>
+      </p:grpSpPr>
+      <p:sp>
+        <p:nvSpPr>
+          <p:cNvPr id="2" name="Title 1">
+            <a:extLst>
+              <a:ext uri="{FF2B5EF4-FFF2-40B4-BE49-F238E27FC236}">
+                <a16:creationId xmlns:a16="http://schemas.microsoft.com/office/drawing/2014/main" id="{226A2CC7-14EA-4B5B-A0D8-C978F1FA5FCD}"/>
+              </a:ext>
+            </a:extLst>
+          </p:cNvPr>
+          <p:cNvSpPr>
+            <a:spLocks noGrp="1"/>
+          </p:cNvSpPr>
+          <p:nvPr>
+            <p:ph type="title"/>
+          </p:nvPr>
+        </p:nvSpPr>
+        <p:spPr/>
+        <p:txBody>
+          <a:bodyPr/>
+          <a:lstStyle/>
+          <a:p>
+            <a:r>
+              <a:rPr lang="en-US" dirty="0" err="1"/>
+              <a:t>Kaplain</a:t>
+            </a:r>
+            <a:r>
+              <a:rPr lang="en-US" dirty="0"/>
+              <a:t>-Meier Curves</a:t>
+            </a:r>
+          </a:p>
+        </p:txBody>
+      </p:sp>
+      <p:sp>
+        <p:nvSpPr>
+          <p:cNvPr id="3" name="Content Placeholder 2">
+            <a:extLst>
+              <a:ext uri="{FF2B5EF4-FFF2-40B4-BE49-F238E27FC236}">
+                <a16:creationId xmlns:a16="http://schemas.microsoft.com/office/drawing/2014/main" id="{BD6E4EB0-AE44-4CBF-86B0-FA228AC7420F}"/>
+              </a:ext>
+            </a:extLst>
+          </p:cNvPr>
+          <p:cNvSpPr>
+            <a:spLocks noGrp="1"/>
+          </p:cNvSpPr>
+          <p:nvPr>
+            <p:ph idx="1"/>
+          </p:nvPr>
+        </p:nvSpPr>
+        <p:spPr>
+          <a:xfrm>
+            <a:off x="838199" y="1825625"/>
+            <a:ext cx="5468007" cy="4351338"/>
+          </a:xfrm>
+        </p:spPr>
+        <p:txBody>
+          <a:bodyPr/>
+          <a:lstStyle/>
+          <a:p>
+            <a:r>
+              <a:rPr lang="en-US" dirty="0"/>
+              <a:t>Breaking down the inputs</a:t>
+            </a:r>
+          </a:p>
+          <a:p>
+            <a:pPr lvl="1"/>
+            <a:r>
+              <a:rPr lang="en-US" dirty="0"/>
+              <a:t>Metadata-based:</a:t>
+            </a:r>
+          </a:p>
+          <a:p>
+            <a:pPr lvl="2"/>
+            <a:r>
+              <a:rPr lang="en-US" dirty="0"/>
+              <a:t>Phenotype/genotype information</a:t>
+            </a:r>
+          </a:p>
+          <a:p>
+            <a:pPr lvl="2"/>
+            <a:r>
+              <a:rPr lang="en-US" dirty="0"/>
+              <a:t>Survival time after diagnosis</a:t>
+            </a:r>
+          </a:p>
+          <a:p>
+            <a:pPr lvl="1"/>
+            <a:r>
+              <a:rPr lang="en-US" dirty="0"/>
+              <a:t>Cumulative probability that at time x, someone is still alive/healthy/etc.</a:t>
+            </a:r>
+          </a:p>
+        </p:txBody>
+      </p:sp>
+      <p:pic>
+        <p:nvPicPr>
+          <p:cNvPr id="6" name="Picture 5" descr="A close up of a piece of paper&#10;&#10;Description automatically generated">
+            <a:extLst>
+              <a:ext uri="{FF2B5EF4-FFF2-40B4-BE49-F238E27FC236}">
+                <a16:creationId xmlns:a16="http://schemas.microsoft.com/office/drawing/2014/main" id="{83957BBE-2083-452D-9A18-3A28EB62A40A}"/>
+              </a:ext>
+            </a:extLst>
+          </p:cNvPr>
+          <p:cNvPicPr>
+            <a:picLocks noChangeAspect="1"/>
+          </p:cNvPicPr>
+          <p:nvPr/>
+        </p:nvPicPr>
+        <p:blipFill>
+          <a:blip r:embed="rId2"/>
+          <a:stretch>
+            <a:fillRect/>
+          </a:stretch>
+        </p:blipFill>
+        <p:spPr>
+          <a:xfrm>
+            <a:off x="6526514" y="1604325"/>
+            <a:ext cx="5287113" cy="4572638"/>
+          </a:xfrm>
+          <a:prstGeom prst="rect">
+            <a:avLst/>
+          </a:prstGeom>
+        </p:spPr>
+      </p:pic>
+    </p:spTree>
+    <p:extLst>
+      <p:ext uri="{BB962C8B-B14F-4D97-AF65-F5344CB8AC3E}">
+        <p14:creationId xmlns:p14="http://schemas.microsoft.com/office/powerpoint/2010/main" val="3379724413"/>
+      </p:ext>
+    </p:extLst>
+  </p:cSld>
+  <p:clrMapOvr>
+    <a:masterClrMapping/>
+  </p:clrMapOvr>
+</p:sld>
+</file>
+
+<file path=ppt/slides/slide9.xml><?xml version="1.0" encoding="utf-8"?>
+<p:sld xmlns:a="http://schemas.openxmlformats.org/drawingml/2006/main" xmlns:r="http://schemas.openxmlformats.org/officeDocument/2006/relationships" xmlns:p="http://schemas.openxmlformats.org/presentationml/2006/main">
+  <p:cSld>
+    <p:spTree>
+      <p:nvGrpSpPr>
+        <p:cNvPr id="1" name=""/>
+        <p:cNvGrpSpPr/>
+        <p:nvPr/>
+      </p:nvGrpSpPr>
+      <p:grpSpPr>
+        <a:xfrm>
+          <a:off x="0" y="0"/>
+          <a:ext cx="0" cy="0"/>
+          <a:chOff x="0" y="0"/>
+          <a:chExt cx="0" cy="0"/>
+        </a:xfrm>
+      </p:grpSpPr>
+      <p:sp>
+        <p:nvSpPr>
+          <p:cNvPr id="2" name="Title 1">
+            <a:extLst>
+              <a:ext uri="{FF2B5EF4-FFF2-40B4-BE49-F238E27FC236}">
+                <a16:creationId xmlns:a16="http://schemas.microsoft.com/office/drawing/2014/main" id="{66A0D7CF-E2F6-4425-B0C8-CA7025929E81}"/>
+              </a:ext>
+            </a:extLst>
+          </p:cNvPr>
+          <p:cNvSpPr>
+            <a:spLocks noGrp="1"/>
+          </p:cNvSpPr>
+          <p:nvPr>
+            <p:ph type="title"/>
+          </p:nvPr>
+        </p:nvSpPr>
+        <p:spPr/>
+        <p:txBody>
+          <a:bodyPr/>
+          <a:lstStyle/>
+          <a:p>
+            <a:r>
+              <a:rPr lang="en-US" dirty="0"/>
+              <a:t>Density Curve</a:t>
+            </a:r>
+          </a:p>
+        </p:txBody>
+      </p:sp>
+      <p:pic>
+        <p:nvPicPr>
+          <p:cNvPr id="5" name="Content Placeholder 4" descr="A picture containing screenshot&#10;&#10;Description automatically generated">
+            <a:extLst>
+              <a:ext uri="{FF2B5EF4-FFF2-40B4-BE49-F238E27FC236}">
+                <a16:creationId xmlns:a16="http://schemas.microsoft.com/office/drawing/2014/main" id="{D769BC7E-91D9-48B6-865E-B2EFE0265039}"/>
+              </a:ext>
+            </a:extLst>
+          </p:cNvPr>
+          <p:cNvPicPr>
+            <a:picLocks noGrp="1" noChangeAspect="1"/>
+          </p:cNvPicPr>
+          <p:nvPr>
+            <p:ph idx="1"/>
+          </p:nvPr>
+        </p:nvPicPr>
+        <p:blipFill>
+          <a:blip r:embed="rId2"/>
+          <a:stretch>
+            <a:fillRect/>
+          </a:stretch>
+        </p:blipFill>
+        <p:spPr>
+          <a:xfrm>
+            <a:off x="2252132" y="1588168"/>
+            <a:ext cx="2654259" cy="3433763"/>
+          </a:xfrm>
+        </p:spPr>
+      </p:pic>
+      <p:pic>
+        <p:nvPicPr>
+          <p:cNvPr id="7" name="Picture 6" descr="A screenshot of a cell phone&#10;&#10;Description automatically generated">
+            <a:extLst>
+              <a:ext uri="{FF2B5EF4-FFF2-40B4-BE49-F238E27FC236}">
+                <a16:creationId xmlns:a16="http://schemas.microsoft.com/office/drawing/2014/main" id="{87D78BE0-286B-49E0-8693-495B52AD8529}"/>
+              </a:ext>
+            </a:extLst>
+          </p:cNvPr>
+          <p:cNvPicPr>
+            <a:picLocks noChangeAspect="1"/>
+          </p:cNvPicPr>
+          <p:nvPr/>
+        </p:nvPicPr>
+        <p:blipFill>
+          <a:blip r:embed="rId3"/>
+          <a:stretch>
+            <a:fillRect/>
+          </a:stretch>
+        </p:blipFill>
+        <p:spPr>
+          <a:xfrm>
+            <a:off x="7354717" y="1588168"/>
+            <a:ext cx="2654259" cy="3433763"/>
+          </a:xfrm>
+          <a:prstGeom prst="rect">
+            <a:avLst/>
+          </a:prstGeom>
+        </p:spPr>
+      </p:pic>
+      <p:sp>
+        <p:nvSpPr>
+          <p:cNvPr id="8" name="TextBox 7">
+            <a:extLst>
+              <a:ext uri="{FF2B5EF4-FFF2-40B4-BE49-F238E27FC236}">
+                <a16:creationId xmlns:a16="http://schemas.microsoft.com/office/drawing/2014/main" id="{8BCAB1C6-B031-481C-B248-C7917775A38F}"/>
+              </a:ext>
+            </a:extLst>
+          </p:cNvPr>
+          <p:cNvSpPr txBox="1"/>
+          <p:nvPr/>
+        </p:nvSpPr>
+        <p:spPr>
+          <a:xfrm>
+            <a:off x="7054238" y="5044645"/>
+            <a:ext cx="3717684" cy="923330"/>
+          </a:xfrm>
+          <a:prstGeom prst="rect">
+            <a:avLst/>
+          </a:prstGeom>
+          <a:noFill/>
+        </p:spPr>
+        <p:txBody>
+          <a:bodyPr wrap="none" rtlCol="0">
+            <a:spAutoFit/>
+          </a:bodyPr>
+          <a:lstStyle/>
+          <a:p>
+            <a:r>
+              <a:rPr lang="en-US" dirty="0"/>
+              <a:t>Proportion at a time</a:t>
+            </a:r>
+          </a:p>
+          <a:p>
+            <a:r>
+              <a:rPr lang="en-US" sz="1200" dirty="0">
+                <a:solidFill>
+                  <a:srgbClr val="0000FF"/>
+                </a:solidFill>
+                <a:latin typeface="Lucida Console" panose="020B0609040504020204" pitchFamily="49" charset="0"/>
+              </a:rPr>
+              <a:t>&gt; d &lt;- density(</a:t>
+            </a:r>
+            <a:r>
+              <a:rPr lang="en-US" sz="1200" dirty="0" err="1">
+                <a:solidFill>
+                  <a:srgbClr val="0000FF"/>
+                </a:solidFill>
+                <a:latin typeface="Lucida Console" panose="020B0609040504020204" pitchFamily="49" charset="0"/>
+              </a:rPr>
+              <a:t>BRCAOV.survInfo$times</a:t>
+            </a:r>
+            <a:r>
+              <a:rPr lang="en-US" sz="1200" dirty="0">
+                <a:solidFill>
+                  <a:srgbClr val="0000FF"/>
+                </a:solidFill>
+                <a:latin typeface="Lucida Console" panose="020B0609040504020204" pitchFamily="49" charset="0"/>
+              </a:rPr>
+              <a:t>)</a:t>
+            </a:r>
+          </a:p>
+          <a:p>
+            <a:r>
+              <a:rPr lang="en-US" sz="1200" dirty="0">
+                <a:solidFill>
+                  <a:srgbClr val="0000FF"/>
+                </a:solidFill>
+                <a:latin typeface="Lucida Console" panose="020B0609040504020204" pitchFamily="49" charset="0"/>
+              </a:rPr>
+              <a:t>&gt; plot(d)</a:t>
+            </a:r>
+          </a:p>
+          <a:p>
+            <a:r>
+              <a:rPr lang="en-US" sz="1200" dirty="0">
+                <a:solidFill>
+                  <a:srgbClr val="0000FF"/>
+                </a:solidFill>
+                <a:latin typeface="Lucida Console" panose="020B0609040504020204" pitchFamily="49" charset="0"/>
+              </a:rPr>
+              <a:t>&gt; polygon(d, col=‘red’, border=‘blue’)</a:t>
+            </a:r>
+          </a:p>
+        </p:txBody>
+      </p:sp>
+      <p:sp>
+        <p:nvSpPr>
+          <p:cNvPr id="9" name="TextBox 8">
+            <a:extLst>
+              <a:ext uri="{FF2B5EF4-FFF2-40B4-BE49-F238E27FC236}">
+                <a16:creationId xmlns:a16="http://schemas.microsoft.com/office/drawing/2014/main" id="{200E8426-72E1-4DDB-BEE5-895B83E240AE}"/>
+              </a:ext>
+            </a:extLst>
+          </p:cNvPr>
+          <p:cNvSpPr txBox="1"/>
+          <p:nvPr/>
+        </p:nvSpPr>
+        <p:spPr>
+          <a:xfrm>
+            <a:off x="2087248" y="5044645"/>
+            <a:ext cx="2880917" cy="553998"/>
+          </a:xfrm>
+          <a:prstGeom prst="rect">
+            <a:avLst/>
+          </a:prstGeom>
+          <a:noFill/>
+        </p:spPr>
+        <p:txBody>
+          <a:bodyPr wrap="none" rtlCol="0">
+            <a:spAutoFit/>
+          </a:bodyPr>
+          <a:lstStyle/>
+          <a:p>
+            <a:r>
+              <a:rPr lang="en-US" dirty="0"/>
+              <a:t>Number at a time</a:t>
+            </a:r>
+          </a:p>
+          <a:p>
+            <a:r>
+              <a:rPr lang="en-US" sz="1200" dirty="0">
+                <a:solidFill>
+                  <a:srgbClr val="0000FF"/>
+                </a:solidFill>
+                <a:latin typeface="Lucida Console" panose="020B0609040504020204" pitchFamily="49" charset="0"/>
+              </a:rPr>
+              <a:t>&gt; hist(</a:t>
+            </a:r>
+            <a:r>
+              <a:rPr lang="en-US" sz="1200" dirty="0" err="1">
+                <a:solidFill>
+                  <a:srgbClr val="0000FF"/>
+                </a:solidFill>
+                <a:latin typeface="Lucida Console" panose="020B0609040504020204" pitchFamily="49" charset="0"/>
+              </a:rPr>
+              <a:t>BRCAOV.survInfo$times</a:t>
+            </a:r>
+            <a:r>
+              <a:rPr lang="en-US" sz="1200" dirty="0">
+                <a:solidFill>
+                  <a:srgbClr val="0000FF"/>
+                </a:solidFill>
+                <a:latin typeface="Lucida Console" panose="020B0609040504020204" pitchFamily="49" charset="0"/>
+              </a:rPr>
+              <a:t>)</a:t>
+            </a:r>
+          </a:p>
+        </p:txBody>
+      </p:sp>
+    </p:spTree>
+    <p:extLst>
+      <p:ext uri="{BB962C8B-B14F-4D97-AF65-F5344CB8AC3E}">
+        <p14:creationId xmlns:p14="http://schemas.microsoft.com/office/powerpoint/2010/main" val="1721261068"/>
       </p:ext>
     </p:extLst>
   </p:cSld>
